--- a/ITI/TF/Volume1/media/Figure_10.4.1-1.pptx
+++ b/ITI/TF/Volume1/media/Figure_10.4.1-1.pptx
@@ -104,6 +104,11 @@
       </a:defRPr>
     </a:lvl9pPr>
   </p:defaultTextStyle>
+  <p:extLst>
+    <p:ext uri="{EFAFB233-063F-42B5-8137-9DF3F51BA10A}">
+      <p15:sldGuideLst xmlns:p15="http://schemas.microsoft.com/office/powerpoint/2012/main"/>
+    </p:ext>
+  </p:extLst>
 </p:presentation>
 </file>
 
@@ -254,7 +259,7 @@
           <a:p>
             <a:fld id="{83E1C530-249F-1F49-97F6-07FC702859C6}" type="datetimeFigureOut">
               <a:rPr lang="en-US" smtClean="0"/>
-              <a:t>8/10/20</a:t>
+              <a:t>8/26/2020</a:t>
             </a:fld>
             <a:endParaRPr lang="en-US"/>
           </a:p>
@@ -452,7 +457,7 @@
           <a:p>
             <a:fld id="{83E1C530-249F-1F49-97F6-07FC702859C6}" type="datetimeFigureOut">
               <a:rPr lang="en-US" smtClean="0"/>
-              <a:t>8/10/20</a:t>
+              <a:t>8/26/2020</a:t>
             </a:fld>
             <a:endParaRPr lang="en-US"/>
           </a:p>
@@ -660,7 +665,7 @@
           <a:p>
             <a:fld id="{83E1C530-249F-1F49-97F6-07FC702859C6}" type="datetimeFigureOut">
               <a:rPr lang="en-US" smtClean="0"/>
-              <a:t>8/10/20</a:t>
+              <a:t>8/26/2020</a:t>
             </a:fld>
             <a:endParaRPr lang="en-US"/>
           </a:p>
@@ -858,7 +863,7 @@
           <a:p>
             <a:fld id="{83E1C530-249F-1F49-97F6-07FC702859C6}" type="datetimeFigureOut">
               <a:rPr lang="en-US" smtClean="0"/>
-              <a:t>8/10/20</a:t>
+              <a:t>8/26/2020</a:t>
             </a:fld>
             <a:endParaRPr lang="en-US"/>
           </a:p>
@@ -1133,7 +1138,7 @@
           <a:p>
             <a:fld id="{83E1C530-249F-1F49-97F6-07FC702859C6}" type="datetimeFigureOut">
               <a:rPr lang="en-US" smtClean="0"/>
-              <a:t>8/10/20</a:t>
+              <a:t>8/26/2020</a:t>
             </a:fld>
             <a:endParaRPr lang="en-US"/>
           </a:p>
@@ -1398,7 +1403,7 @@
           <a:p>
             <a:fld id="{83E1C530-249F-1F49-97F6-07FC702859C6}" type="datetimeFigureOut">
               <a:rPr lang="en-US" smtClean="0"/>
-              <a:t>8/10/20</a:t>
+              <a:t>8/26/2020</a:t>
             </a:fld>
             <a:endParaRPr lang="en-US"/>
           </a:p>
@@ -1810,7 +1815,7 @@
           <a:p>
             <a:fld id="{83E1C530-249F-1F49-97F6-07FC702859C6}" type="datetimeFigureOut">
               <a:rPr lang="en-US" smtClean="0"/>
-              <a:t>8/10/20</a:t>
+              <a:t>8/26/2020</a:t>
             </a:fld>
             <a:endParaRPr lang="en-US"/>
           </a:p>
@@ -1951,7 +1956,7 @@
           <a:p>
             <a:fld id="{83E1C530-249F-1F49-97F6-07FC702859C6}" type="datetimeFigureOut">
               <a:rPr lang="en-US" smtClean="0"/>
-              <a:t>8/10/20</a:t>
+              <a:t>8/26/2020</a:t>
             </a:fld>
             <a:endParaRPr lang="en-US"/>
           </a:p>
@@ -2064,7 +2069,7 @@
           <a:p>
             <a:fld id="{83E1C530-249F-1F49-97F6-07FC702859C6}" type="datetimeFigureOut">
               <a:rPr lang="en-US" smtClean="0"/>
-              <a:t>8/10/20</a:t>
+              <a:t>8/26/2020</a:t>
             </a:fld>
             <a:endParaRPr lang="en-US"/>
           </a:p>
@@ -2375,7 +2380,7 @@
           <a:p>
             <a:fld id="{83E1C530-249F-1F49-97F6-07FC702859C6}" type="datetimeFigureOut">
               <a:rPr lang="en-US" smtClean="0"/>
-              <a:t>8/10/20</a:t>
+              <a:t>8/26/2020</a:t>
             </a:fld>
             <a:endParaRPr lang="en-US"/>
           </a:p>
@@ -2663,7 +2668,7 @@
           <a:p>
             <a:fld id="{83E1C530-249F-1F49-97F6-07FC702859C6}" type="datetimeFigureOut">
               <a:rPr lang="en-US" smtClean="0"/>
-              <a:t>8/10/20</a:t>
+              <a:t>8/26/2020</a:t>
             </a:fld>
             <a:endParaRPr lang="en-US"/>
           </a:p>
@@ -2904,7 +2909,7 @@
           <a:p>
             <a:fld id="{83E1C530-249F-1F49-97F6-07FC702859C6}" type="datetimeFigureOut">
               <a:rPr lang="en-US" smtClean="0"/>
-              <a:t>8/10/20</a:t>
+              <a:t>8/26/2020</a:t>
             </a:fld>
             <a:endParaRPr lang="en-US"/>
           </a:p>
@@ -3321,1557 +3326,1580 @@
           <a:chExt cx="0" cy="0"/>
         </a:xfrm>
       </p:grpSpPr>
-      <p:sp>
-        <p:nvSpPr>
-          <p:cNvPr id="4" name="Oval 25">
-            <a:extLst>
-              <a:ext uri="{FF2B5EF4-FFF2-40B4-BE49-F238E27FC236}">
-                <a16:creationId xmlns:a16="http://schemas.microsoft.com/office/drawing/2014/main" id="{080C3187-B798-694A-B384-42D740817ABD}"/>
-              </a:ext>
-            </a:extLst>
-          </p:cNvPr>
-          <p:cNvSpPr>
-            <a:spLocks noChangeArrowheads="1"/>
-          </p:cNvSpPr>
+      <p:grpSp>
+        <p:nvGrpSpPr>
+          <p:cNvPr id="2" name="Group 1">
+            <a:extLst>
+              <a:ext uri="{FF2B5EF4-FFF2-40B4-BE49-F238E27FC236}">
+                <a16:creationId xmlns:a16="http://schemas.microsoft.com/office/drawing/2014/main" id="{6869DDB1-A46D-47B3-8DD6-1A3DBF2F863D}"/>
+              </a:ext>
+            </a:extLst>
+          </p:cNvPr>
+          <p:cNvGrpSpPr>
+            <a:grpSpLocks noChangeAspect="1"/>
+          </p:cNvGrpSpPr>
           <p:nvPr/>
-        </p:nvSpPr>
-        <p:spPr bwMode="auto">
+        </p:nvGrpSpPr>
+        <p:grpSpPr>
           <a:xfrm>
-            <a:off x="1219199" y="1216025"/>
-            <a:ext cx="3684933" cy="1600200"/>
+            <a:off x="517496" y="484187"/>
+            <a:ext cx="10085455" cy="5945642"/>
+            <a:chOff x="-1" y="457200"/>
+            <a:chExt cx="8773271" cy="5172075"/>
           </a:xfrm>
-          <a:prstGeom prst="ellipse">
-            <a:avLst/>
-          </a:prstGeom>
-          <a:solidFill>
-            <a:srgbClr val="FFCC66"/>
-          </a:solidFill>
-          <a:ln w="9525">
+        </p:grpSpPr>
+        <p:sp>
+          <p:nvSpPr>
+            <p:cNvPr id="4" name="Oval 25">
+              <a:extLst>
+                <a:ext uri="{FF2B5EF4-FFF2-40B4-BE49-F238E27FC236}">
+                  <a16:creationId xmlns:a16="http://schemas.microsoft.com/office/drawing/2014/main" id="{080C3187-B798-694A-B384-42D740817ABD}"/>
+                </a:ext>
+              </a:extLst>
+            </p:cNvPr>
+            <p:cNvSpPr>
+              <a:spLocks noChangeArrowheads="1"/>
+            </p:cNvSpPr>
+            <p:nvPr/>
+          </p:nvSpPr>
+          <p:spPr bwMode="auto">
+            <a:xfrm>
+              <a:off x="1219199" y="1216025"/>
+              <a:ext cx="3684933" cy="1600200"/>
+            </a:xfrm>
+            <a:prstGeom prst="ellipse">
+              <a:avLst/>
+            </a:prstGeom>
             <a:solidFill>
-              <a:srgbClr val="000000"/>
+              <a:srgbClr val="FFCC66"/>
             </a:solidFill>
-            <a:round/>
-            <a:headEnd/>
-            <a:tailEnd/>
-          </a:ln>
-        </p:spPr>
-        <p:txBody>
-          <a:bodyPr vert="horz" wrap="none" lIns="91440" tIns="45720" rIns="91440" bIns="45720" numCol="1" anchor="ctr" anchorCtr="0" compatLnSpc="1">
-            <a:prstTxWarp prst="textNoShape">
+            <a:ln w="9525">
+              <a:solidFill>
+                <a:srgbClr val="000000"/>
+              </a:solidFill>
+              <a:round/>
+              <a:headEnd/>
+              <a:tailEnd/>
+            </a:ln>
+          </p:spPr>
+          <p:txBody>
+            <a:bodyPr vert="horz" wrap="none" lIns="91440" tIns="45720" rIns="91440" bIns="45720" numCol="1" anchor="ctr" anchorCtr="0" compatLnSpc="1">
+              <a:prstTxWarp prst="textNoShape">
+                <a:avLst/>
+              </a:prstTxWarp>
+            </a:bodyPr>
+            <a:lstStyle/>
+            <a:p>
+              <a:endParaRPr lang="en-US"/>
+            </a:p>
+          </p:txBody>
+        </p:sp>
+        <p:sp>
+          <p:nvSpPr>
+            <p:cNvPr id="5" name="Oval 24">
+              <a:extLst>
+                <a:ext uri="{FF2B5EF4-FFF2-40B4-BE49-F238E27FC236}">
+                  <a16:creationId xmlns:a16="http://schemas.microsoft.com/office/drawing/2014/main" id="{4723F86C-7E5E-6442-AB11-E546686F39E7}"/>
+                </a:ext>
+              </a:extLst>
+            </p:cNvPr>
+            <p:cNvSpPr>
+              <a:spLocks noChangeArrowheads="1"/>
+            </p:cNvSpPr>
+            <p:nvPr/>
+          </p:nvSpPr>
+          <p:spPr bwMode="auto">
+            <a:xfrm>
+              <a:off x="5410199" y="457200"/>
+              <a:ext cx="3193609" cy="1219200"/>
+            </a:xfrm>
+            <a:prstGeom prst="ellipse">
               <a:avLst/>
-            </a:prstTxWarp>
-          </a:bodyPr>
-          <a:lstStyle/>
-          <a:p>
-            <a:endParaRPr lang="en-US"/>
-          </a:p>
-        </p:txBody>
-      </p:sp>
-      <p:sp>
-        <p:nvSpPr>
-          <p:cNvPr id="5" name="Oval 24">
-            <a:extLst>
-              <a:ext uri="{FF2B5EF4-FFF2-40B4-BE49-F238E27FC236}">
-                <a16:creationId xmlns:a16="http://schemas.microsoft.com/office/drawing/2014/main" id="{4723F86C-7E5E-6442-AB11-E546686F39E7}"/>
-              </a:ext>
-            </a:extLst>
-          </p:cNvPr>
-          <p:cNvSpPr>
-            <a:spLocks noChangeArrowheads="1"/>
-          </p:cNvSpPr>
-          <p:nvPr/>
-        </p:nvSpPr>
-        <p:spPr bwMode="auto">
-          <a:xfrm>
-            <a:off x="5410199" y="457200"/>
-            <a:ext cx="3193609" cy="1219200"/>
-          </a:xfrm>
-          <a:prstGeom prst="ellipse">
-            <a:avLst/>
-          </a:prstGeom>
-          <a:solidFill>
-            <a:srgbClr val="FFCC66"/>
-          </a:solidFill>
-          <a:ln w="9525">
+            </a:prstGeom>
             <a:solidFill>
-              <a:srgbClr val="000000"/>
+              <a:srgbClr val="FFCC66"/>
             </a:solidFill>
-            <a:round/>
-            <a:headEnd/>
-            <a:tailEnd/>
-          </a:ln>
-        </p:spPr>
-        <p:txBody>
-          <a:bodyPr vert="horz" wrap="none" lIns="91440" tIns="45720" rIns="91440" bIns="45720" numCol="1" anchor="ctr" anchorCtr="0" compatLnSpc="1">
-            <a:prstTxWarp prst="textNoShape">
+            <a:ln w="9525">
+              <a:solidFill>
+                <a:srgbClr val="000000"/>
+              </a:solidFill>
+              <a:round/>
+              <a:headEnd/>
+              <a:tailEnd/>
+            </a:ln>
+          </p:spPr>
+          <p:txBody>
+            <a:bodyPr vert="horz" wrap="none" lIns="91440" tIns="45720" rIns="91440" bIns="45720" numCol="1" anchor="ctr" anchorCtr="0" compatLnSpc="1">
+              <a:prstTxWarp prst="textNoShape">
+                <a:avLst/>
+              </a:prstTxWarp>
+            </a:bodyPr>
+            <a:lstStyle/>
+            <a:p>
+              <a:endParaRPr lang="en-US"/>
+            </a:p>
+          </p:txBody>
+        </p:sp>
+        <p:sp>
+          <p:nvSpPr>
+            <p:cNvPr id="6" name="Oval 23">
+              <a:extLst>
+                <a:ext uri="{FF2B5EF4-FFF2-40B4-BE49-F238E27FC236}">
+                  <a16:creationId xmlns:a16="http://schemas.microsoft.com/office/drawing/2014/main" id="{6FEB251B-2BE9-1F47-BEA1-E215323EBDFB}"/>
+                </a:ext>
+              </a:extLst>
+            </p:cNvPr>
+            <p:cNvSpPr>
+              <a:spLocks noChangeArrowheads="1"/>
+            </p:cNvSpPr>
+            <p:nvPr/>
+          </p:nvSpPr>
+          <p:spPr bwMode="auto">
+            <a:xfrm>
+              <a:off x="-1" y="3806825"/>
+              <a:ext cx="3439271" cy="1447800"/>
+            </a:xfrm>
+            <a:prstGeom prst="ellipse">
               <a:avLst/>
-            </a:prstTxWarp>
-          </a:bodyPr>
-          <a:lstStyle/>
-          <a:p>
-            <a:endParaRPr lang="en-US"/>
-          </a:p>
-        </p:txBody>
-      </p:sp>
-      <p:sp>
-        <p:nvSpPr>
-          <p:cNvPr id="6" name="Oval 23">
-            <a:extLst>
-              <a:ext uri="{FF2B5EF4-FFF2-40B4-BE49-F238E27FC236}">
-                <a16:creationId xmlns:a16="http://schemas.microsoft.com/office/drawing/2014/main" id="{6FEB251B-2BE9-1F47-BEA1-E215323EBDFB}"/>
-              </a:ext>
-            </a:extLst>
-          </p:cNvPr>
-          <p:cNvSpPr>
-            <a:spLocks noChangeArrowheads="1"/>
-          </p:cNvSpPr>
-          <p:nvPr/>
-        </p:nvSpPr>
-        <p:spPr bwMode="auto">
-          <a:xfrm>
-            <a:off x="-1" y="3806825"/>
-            <a:ext cx="3439271" cy="1447800"/>
-          </a:xfrm>
-          <a:prstGeom prst="ellipse">
-            <a:avLst/>
-          </a:prstGeom>
-          <a:solidFill>
-            <a:srgbClr val="FFCC66"/>
-          </a:solidFill>
-          <a:ln w="9525">
+            </a:prstGeom>
             <a:solidFill>
-              <a:srgbClr val="000000"/>
+              <a:srgbClr val="FFCC66"/>
             </a:solidFill>
-            <a:round/>
-            <a:headEnd/>
-            <a:tailEnd/>
-          </a:ln>
-        </p:spPr>
-        <p:txBody>
-          <a:bodyPr vert="horz" wrap="none" lIns="91440" tIns="45720" rIns="91440" bIns="45720" numCol="1" anchor="ctr" anchorCtr="0" compatLnSpc="1">
-            <a:prstTxWarp prst="textNoShape">
+            <a:ln w="9525">
+              <a:solidFill>
+                <a:srgbClr val="000000"/>
+              </a:solidFill>
+              <a:round/>
+              <a:headEnd/>
+              <a:tailEnd/>
+            </a:ln>
+          </p:spPr>
+          <p:txBody>
+            <a:bodyPr vert="horz" wrap="none" lIns="91440" tIns="45720" rIns="91440" bIns="45720" numCol="1" anchor="ctr" anchorCtr="0" compatLnSpc="1">
+              <a:prstTxWarp prst="textNoShape">
+                <a:avLst/>
+              </a:prstTxWarp>
+            </a:bodyPr>
+            <a:lstStyle/>
+            <a:p>
+              <a:endParaRPr lang="en-US"/>
+            </a:p>
+          </p:txBody>
+        </p:sp>
+        <p:sp>
+          <p:nvSpPr>
+            <p:cNvPr id="7" name="Oval 22">
+              <a:extLst>
+                <a:ext uri="{FF2B5EF4-FFF2-40B4-BE49-F238E27FC236}">
+                  <a16:creationId xmlns:a16="http://schemas.microsoft.com/office/drawing/2014/main" id="{B9FA2030-378E-F64E-9A13-6BCBCC4ECFED}"/>
+                </a:ext>
+              </a:extLst>
+            </p:cNvPr>
+            <p:cNvSpPr>
+              <a:spLocks noChangeArrowheads="1"/>
+            </p:cNvSpPr>
+            <p:nvPr/>
+          </p:nvSpPr>
+          <p:spPr bwMode="auto">
+            <a:xfrm>
+              <a:off x="5333999" y="1978025"/>
+              <a:ext cx="3439271" cy="1828800"/>
+            </a:xfrm>
+            <a:prstGeom prst="ellipse">
               <a:avLst/>
-            </a:prstTxWarp>
-          </a:bodyPr>
-          <a:lstStyle/>
-          <a:p>
-            <a:endParaRPr lang="en-US"/>
-          </a:p>
-        </p:txBody>
-      </p:sp>
-      <p:sp>
-        <p:nvSpPr>
-          <p:cNvPr id="7" name="Oval 22">
-            <a:extLst>
-              <a:ext uri="{FF2B5EF4-FFF2-40B4-BE49-F238E27FC236}">
-                <a16:creationId xmlns:a16="http://schemas.microsoft.com/office/drawing/2014/main" id="{B9FA2030-378E-F64E-9A13-6BCBCC4ECFED}"/>
-              </a:ext>
-            </a:extLst>
-          </p:cNvPr>
-          <p:cNvSpPr>
-            <a:spLocks noChangeArrowheads="1"/>
-          </p:cNvSpPr>
-          <p:nvPr/>
-        </p:nvSpPr>
-        <p:spPr bwMode="auto">
-          <a:xfrm>
-            <a:off x="5333999" y="1978025"/>
-            <a:ext cx="3439271" cy="1828800"/>
-          </a:xfrm>
-          <a:prstGeom prst="ellipse">
-            <a:avLst/>
-          </a:prstGeom>
-          <a:solidFill>
-            <a:srgbClr val="FFCC66"/>
-          </a:solidFill>
-          <a:ln w="9525">
+            </a:prstGeom>
             <a:solidFill>
-              <a:srgbClr val="000000"/>
+              <a:srgbClr val="FFCC66"/>
             </a:solidFill>
-            <a:round/>
-            <a:headEnd/>
-            <a:tailEnd/>
-          </a:ln>
-        </p:spPr>
-        <p:txBody>
-          <a:bodyPr vert="horz" wrap="none" lIns="91440" tIns="45720" rIns="91440" bIns="45720" numCol="1" anchor="ctr" anchorCtr="0" compatLnSpc="1">
-            <a:prstTxWarp prst="textNoShape">
+            <a:ln w="9525">
+              <a:solidFill>
+                <a:srgbClr val="000000"/>
+              </a:solidFill>
+              <a:round/>
+              <a:headEnd/>
+              <a:tailEnd/>
+            </a:ln>
+          </p:spPr>
+          <p:txBody>
+            <a:bodyPr vert="horz" wrap="none" lIns="91440" tIns="45720" rIns="91440" bIns="45720" numCol="1" anchor="ctr" anchorCtr="0" compatLnSpc="1">
+              <a:prstTxWarp prst="textNoShape">
+                <a:avLst/>
+              </a:prstTxWarp>
+            </a:bodyPr>
+            <a:lstStyle/>
+            <a:p>
+              <a:endParaRPr lang="en-US"/>
+            </a:p>
+          </p:txBody>
+        </p:sp>
+        <p:sp>
+          <p:nvSpPr>
+            <p:cNvPr id="8" name="Text Box 21">
+              <a:extLst>
+                <a:ext uri="{FF2B5EF4-FFF2-40B4-BE49-F238E27FC236}">
+                  <a16:creationId xmlns:a16="http://schemas.microsoft.com/office/drawing/2014/main" id="{C78DB904-8B76-C64F-BFDD-A3E26D92DE66}"/>
+                </a:ext>
+              </a:extLst>
+            </p:cNvPr>
+            <p:cNvSpPr txBox="1">
+              <a:spLocks noChangeArrowheads="1"/>
+            </p:cNvSpPr>
+            <p:nvPr/>
+          </p:nvSpPr>
+          <p:spPr bwMode="auto">
+            <a:xfrm>
+              <a:off x="2209799" y="1320800"/>
+              <a:ext cx="2292847" cy="558800"/>
+            </a:xfrm>
+            <a:prstGeom prst="rect">
               <a:avLst/>
-            </a:prstTxWarp>
-          </a:bodyPr>
-          <a:lstStyle/>
-          <a:p>
-            <a:endParaRPr lang="en-US"/>
-          </a:p>
-        </p:txBody>
-      </p:sp>
-      <p:sp>
-        <p:nvSpPr>
-          <p:cNvPr id="8" name="Text Box 21">
-            <a:extLst>
-              <a:ext uri="{FF2B5EF4-FFF2-40B4-BE49-F238E27FC236}">
-                <a16:creationId xmlns:a16="http://schemas.microsoft.com/office/drawing/2014/main" id="{C78DB904-8B76-C64F-BFDD-A3E26D92DE66}"/>
-              </a:ext>
-            </a:extLst>
-          </p:cNvPr>
-          <p:cNvSpPr txBox="1">
-            <a:spLocks noChangeArrowheads="1"/>
-          </p:cNvSpPr>
-          <p:nvPr/>
-        </p:nvSpPr>
-        <p:spPr bwMode="auto">
-          <a:xfrm>
-            <a:off x="2209799" y="1320800"/>
-            <a:ext cx="2292847" cy="558800"/>
-          </a:xfrm>
-          <a:prstGeom prst="rect">
-            <a:avLst/>
-          </a:prstGeom>
-          <a:noFill/>
-          <a:ln>
+            </a:prstGeom>
             <a:noFill/>
-          </a:ln>
-          <a:extLst>
-            <a:ext uri="{909E8E84-426E-40DD-AFC4-6F175D3DCCD1}">
-              <a14:hiddenFill xmlns:a14="http://schemas.microsoft.com/office/drawing/2010/main">
-                <a:solidFill>
-                  <a:srgbClr val="00CC99"/>
-                </a:solidFill>
-              </a14:hiddenFill>
-            </a:ext>
-            <a:ext uri="{91240B29-F687-4F45-9708-019B960494DF}">
-              <a14:hiddenLine xmlns:a14="http://schemas.microsoft.com/office/drawing/2010/main" w="9525">
-                <a:solidFill>
-                  <a:srgbClr val="000000"/>
-                </a:solidFill>
-                <a:miter lim="800000"/>
-                <a:headEnd/>
-                <a:tailEnd/>
-              </a14:hiddenLine>
-            </a:ext>
-          </a:extLst>
-        </p:spPr>
-        <p:txBody>
-          <a:bodyPr vert="horz" wrap="square" lIns="91440" tIns="45720" rIns="91440" bIns="45720" numCol="1" anchor="t" anchorCtr="0" compatLnSpc="1">
-            <a:prstTxWarp prst="textNoShape">
-              <a:avLst/>
-            </a:prstTxWarp>
-          </a:bodyPr>
-          <a:lstStyle/>
-          <a:p>
-            <a:pPr marL="0" marR="0" lvl="0" indent="0" algn="l" defTabSz="914400" rtl="0" eaLnBrk="0" fontAlgn="base" latinLnBrk="0" hangingPunct="0">
-              <a:lnSpc>
-                <a:spcPct val="100000"/>
-              </a:lnSpc>
-              <a:spcBef>
-                <a:spcPct val="0"/>
-              </a:spcBef>
-              <a:spcAft>
-                <a:spcPct val="0"/>
-              </a:spcAft>
-              <a:buClrTx/>
-              <a:buSzTx/>
-              <a:buFontTx/>
-              <a:buNone/>
-              <a:tabLst/>
-            </a:pPr>
-            <a:r>
-              <a:rPr kumimoji="0" lang="en-US" altLang="en-US" sz="1600" b="1" i="0" u="none" strike="noStrike" cap="none" normalizeH="0" baseline="0">
+            <a:ln>
+              <a:noFill/>
+            </a:ln>
+            <a:extLst>
+              <a:ext uri="{909E8E84-426E-40DD-AFC4-6F175D3DCCD1}">
+                <a14:hiddenFill xmlns:a14="http://schemas.microsoft.com/office/drawing/2010/main">
+                  <a:solidFill>
+                    <a:srgbClr val="00CC99"/>
+                  </a:solidFill>
+                </a14:hiddenFill>
+              </a:ext>
+              <a:ext uri="{91240B29-F687-4F45-9708-019B960494DF}">
+                <a14:hiddenLine xmlns:a14="http://schemas.microsoft.com/office/drawing/2010/main" w="9525">
+                  <a:solidFill>
+                    <a:srgbClr val="000000"/>
+                  </a:solidFill>
+                  <a:miter lim="800000"/>
+                  <a:headEnd/>
+                  <a:tailEnd/>
+                </a14:hiddenLine>
+              </a:ext>
+            </a:extLst>
+          </p:spPr>
+          <p:txBody>
+            <a:bodyPr vert="horz" wrap="square" lIns="91440" tIns="45720" rIns="91440" bIns="45720" numCol="1" anchor="t" anchorCtr="0" compatLnSpc="1">
+              <a:prstTxWarp prst="textNoShape">
+                <a:avLst/>
+              </a:prstTxWarp>
+            </a:bodyPr>
+            <a:lstStyle/>
+            <a:p>
+              <a:pPr marL="0" marR="0" lvl="0" indent="0" algn="l" defTabSz="914400" rtl="0" eaLnBrk="0" fontAlgn="base" latinLnBrk="0" hangingPunct="0">
+                <a:lnSpc>
+                  <a:spcPct val="100000"/>
+                </a:lnSpc>
+                <a:spcBef>
+                  <a:spcPct val="0"/>
+                </a:spcBef>
+                <a:spcAft>
+                  <a:spcPct val="0"/>
+                </a:spcAft>
+                <a:buClrTx/>
+                <a:buSzTx/>
+                <a:buFontTx/>
+                <a:buNone/>
+                <a:tabLst/>
+              </a:pPr>
+              <a:r>
+                <a:rPr kumimoji="0" lang="en-US" altLang="en-US" sz="1600" b="1" i="0" u="none" strike="noStrike" cap="none" normalizeH="0" baseline="0">
+                  <a:ln>
+                    <a:noFill/>
+                  </a:ln>
+                  <a:solidFill>
+                    <a:srgbClr val="FF0000"/>
+                  </a:solidFill>
+                  <a:effectLst/>
+                  <a:latin typeface="Arial" panose="020B0604020202020204" pitchFamily="34" charset="0"/>
+                  <a:ea typeface="Times New Roman" panose="02020603050405020304" pitchFamily="18" charset="0"/>
+                  <a:cs typeface="Arial" panose="020B0604020202020204" pitchFamily="34" charset="0"/>
+                </a:rPr>
+                <a:t>Acute Care </a:t>
+              </a:r>
+              <a:br>
+                <a:rPr kumimoji="0" lang="en-US" altLang="en-US" sz="1600" b="1" i="0" u="none" strike="noStrike" cap="none" normalizeH="0" baseline="0">
+                  <a:ln>
+                    <a:noFill/>
+                  </a:ln>
+                  <a:solidFill>
+                    <a:srgbClr val="FF0000"/>
+                  </a:solidFill>
+                  <a:effectLst/>
+                  <a:latin typeface="Arial" panose="020B0604020202020204" pitchFamily="34" charset="0"/>
+                  <a:ea typeface="Times New Roman" panose="02020603050405020304" pitchFamily="18" charset="0"/>
+                  <a:cs typeface="Arial" panose="020B0604020202020204" pitchFamily="34" charset="0"/>
+                </a:rPr>
+              </a:br>
+              <a:r>
+                <a:rPr kumimoji="0" lang="en-US" altLang="en-US" sz="1600" b="1" i="0" u="none" strike="noStrike" cap="none" normalizeH="0" baseline="0">
+                  <a:ln>
+                    <a:noFill/>
+                  </a:ln>
+                  <a:solidFill>
+                    <a:srgbClr val="FF0000"/>
+                  </a:solidFill>
+                  <a:effectLst/>
+                  <a:latin typeface="Arial" panose="020B0604020202020204" pitchFamily="34" charset="0"/>
+                  <a:ea typeface="Times New Roman" panose="02020603050405020304" pitchFamily="18" charset="0"/>
+                  <a:cs typeface="Arial" panose="020B0604020202020204" pitchFamily="34" charset="0"/>
+                </a:rPr>
+                <a:t>(Inpatient)</a:t>
+              </a:r>
+              <a:endParaRPr kumimoji="0" lang="en-US" altLang="en-US" sz="1800" b="0" i="0" u="none" strike="noStrike" cap="none" normalizeH="0" baseline="0">
                 <a:ln>
                   <a:noFill/>
                 </a:ln>
                 <a:solidFill>
-                  <a:srgbClr val="FF0000"/>
+                  <a:schemeClr val="tx1"/>
                 </a:solidFill>
                 <a:effectLst/>
                 <a:latin typeface="Arial" panose="020B0604020202020204" pitchFamily="34" charset="0"/>
-                <a:ea typeface="Times New Roman" panose="02020603050405020304" pitchFamily="18" charset="0"/>
-                <a:cs typeface="Arial" panose="020B0604020202020204" pitchFamily="34" charset="0"/>
-              </a:rPr>
-              <a:t>Acute Care </a:t>
-            </a:r>
-            <a:br>
-              <a:rPr kumimoji="0" lang="en-US" altLang="en-US" sz="1600" b="1" i="0" u="none" strike="noStrike" cap="none" normalizeH="0" baseline="0">
+              </a:endParaRPr>
+            </a:p>
+          </p:txBody>
+        </p:sp>
+        <p:sp>
+          <p:nvSpPr>
+            <p:cNvPr id="9" name="Text Box 20">
+              <a:extLst>
+                <a:ext uri="{FF2B5EF4-FFF2-40B4-BE49-F238E27FC236}">
+                  <a16:creationId xmlns:a16="http://schemas.microsoft.com/office/drawing/2014/main" id="{A08A2059-73E6-4048-8BC8-60491D75BD43}"/>
+                </a:ext>
+              </a:extLst>
+            </p:cNvPr>
+            <p:cNvSpPr txBox="1">
+              <a:spLocks noChangeArrowheads="1"/>
+            </p:cNvSpPr>
+            <p:nvPr/>
+          </p:nvSpPr>
+          <p:spPr bwMode="auto">
+            <a:xfrm>
+              <a:off x="761999" y="4111625"/>
+              <a:ext cx="2374735" cy="558800"/>
+            </a:xfrm>
+            <a:prstGeom prst="rect">
+              <a:avLst/>
+            </a:prstGeom>
+            <a:noFill/>
+            <a:ln>
+              <a:noFill/>
+            </a:ln>
+            <a:extLst>
+              <a:ext uri="{909E8E84-426E-40DD-AFC4-6F175D3DCCD1}">
+                <a14:hiddenFill xmlns:a14="http://schemas.microsoft.com/office/drawing/2010/main">
+                  <a:solidFill>
+                    <a:srgbClr val="00CC99"/>
+                  </a:solidFill>
+                </a14:hiddenFill>
+              </a:ext>
+              <a:ext uri="{91240B29-F687-4F45-9708-019B960494DF}">
+                <a14:hiddenLine xmlns:a14="http://schemas.microsoft.com/office/drawing/2010/main" w="9525">
+                  <a:solidFill>
+                    <a:srgbClr val="000000"/>
+                  </a:solidFill>
+                  <a:miter lim="800000"/>
+                  <a:headEnd/>
+                  <a:tailEnd/>
+                </a14:hiddenLine>
+              </a:ext>
+            </a:extLst>
+          </p:spPr>
+          <p:txBody>
+            <a:bodyPr vert="horz" wrap="square" lIns="91440" tIns="45720" rIns="91440" bIns="45720" numCol="1" anchor="t" anchorCtr="0" compatLnSpc="1">
+              <a:prstTxWarp prst="textNoShape">
+                <a:avLst/>
+              </a:prstTxWarp>
+            </a:bodyPr>
+            <a:lstStyle/>
+            <a:p>
+              <a:pPr marL="0" marR="0" lvl="0" indent="0" algn="l" defTabSz="914400" rtl="0" eaLnBrk="0" fontAlgn="base" latinLnBrk="0" hangingPunct="0">
+                <a:lnSpc>
+                  <a:spcPct val="100000"/>
+                </a:lnSpc>
+                <a:spcBef>
+                  <a:spcPct val="0"/>
+                </a:spcBef>
+                <a:spcAft>
+                  <a:spcPct val="0"/>
+                </a:spcAft>
+                <a:buClrTx/>
+                <a:buSzTx/>
+                <a:buFontTx/>
+                <a:buNone/>
+                <a:tabLst/>
+              </a:pPr>
+              <a:r>
+                <a:rPr kumimoji="0" lang="en-US" altLang="en-US" sz="1600" b="1" i="0" u="none" strike="noStrike" cap="none" normalizeH="0" baseline="0">
+                  <a:ln>
+                    <a:noFill/>
+                  </a:ln>
+                  <a:solidFill>
+                    <a:srgbClr val="FF0000"/>
+                  </a:solidFill>
+                  <a:effectLst/>
+                  <a:latin typeface="Arial" panose="020B0604020202020204" pitchFamily="34" charset="0"/>
+                  <a:ea typeface="Times New Roman" panose="02020603050405020304" pitchFamily="18" charset="0"/>
+                  <a:cs typeface="Arial" panose="020B0604020202020204" pitchFamily="34" charset="0"/>
+                </a:rPr>
+                <a:t>PCPs and Clinics </a:t>
+              </a:r>
+              <a:br>
+                <a:rPr kumimoji="0" lang="en-US" altLang="en-US" sz="1600" b="1" i="0" u="none" strike="noStrike" cap="none" normalizeH="0" baseline="0">
+                  <a:ln>
+                    <a:noFill/>
+                  </a:ln>
+                  <a:solidFill>
+                    <a:srgbClr val="FF0000"/>
+                  </a:solidFill>
+                  <a:effectLst/>
+                  <a:latin typeface="Arial" panose="020B0604020202020204" pitchFamily="34" charset="0"/>
+                  <a:ea typeface="Times New Roman" panose="02020603050405020304" pitchFamily="18" charset="0"/>
+                  <a:cs typeface="Arial" panose="020B0604020202020204" pitchFamily="34" charset="0"/>
+                </a:rPr>
+              </a:br>
+              <a:r>
+                <a:rPr kumimoji="0" lang="en-US" altLang="en-US" sz="1600" b="1" i="0" u="none" strike="noStrike" cap="none" normalizeH="0" baseline="0">
+                  <a:ln>
+                    <a:noFill/>
+                  </a:ln>
+                  <a:solidFill>
+                    <a:srgbClr val="FF0000"/>
+                  </a:solidFill>
+                  <a:effectLst/>
+                  <a:latin typeface="Arial" panose="020B0604020202020204" pitchFamily="34" charset="0"/>
+                  <a:ea typeface="Times New Roman" panose="02020603050405020304" pitchFamily="18" charset="0"/>
+                  <a:cs typeface="Arial" panose="020B0604020202020204" pitchFamily="34" charset="0"/>
+                </a:rPr>
+                <a:t>(Outpatient)</a:t>
+              </a:r>
+              <a:endParaRPr kumimoji="0" lang="en-US" altLang="en-US" sz="1800" b="0" i="0" u="none" strike="noStrike" cap="none" normalizeH="0" baseline="0">
                 <a:ln>
                   <a:noFill/>
                 </a:ln>
                 <a:solidFill>
-                  <a:srgbClr val="FF0000"/>
+                  <a:schemeClr val="tx1"/>
                 </a:solidFill>
                 <a:effectLst/>
                 <a:latin typeface="Arial" panose="020B0604020202020204" pitchFamily="34" charset="0"/>
-                <a:ea typeface="Times New Roman" panose="02020603050405020304" pitchFamily="18" charset="0"/>
-                <a:cs typeface="Arial" panose="020B0604020202020204" pitchFamily="34" charset="0"/>
-              </a:rPr>
-            </a:br>
-            <a:r>
-              <a:rPr kumimoji="0" lang="en-US" altLang="en-US" sz="1600" b="1" i="0" u="none" strike="noStrike" cap="none" normalizeH="0" baseline="0">
+              </a:endParaRPr>
+            </a:p>
+          </p:txBody>
+        </p:sp>
+        <p:sp>
+          <p:nvSpPr>
+            <p:cNvPr id="10" name="Text Box 19">
+              <a:extLst>
+                <a:ext uri="{FF2B5EF4-FFF2-40B4-BE49-F238E27FC236}">
+                  <a16:creationId xmlns:a16="http://schemas.microsoft.com/office/drawing/2014/main" id="{EFF404BA-C548-F34B-965D-10688AB32408}"/>
+                </a:ext>
+              </a:extLst>
+            </p:cNvPr>
+            <p:cNvSpPr txBox="1">
+              <a:spLocks noChangeArrowheads="1"/>
+            </p:cNvSpPr>
+            <p:nvPr/>
+          </p:nvSpPr>
+          <p:spPr bwMode="auto">
+            <a:xfrm>
+              <a:off x="6096000" y="758825"/>
+              <a:ext cx="1886822" cy="558800"/>
+            </a:xfrm>
+            <a:prstGeom prst="rect">
+              <a:avLst/>
+            </a:prstGeom>
+            <a:noFill/>
+            <a:ln>
+              <a:noFill/>
+            </a:ln>
+            <a:extLst>
+              <a:ext uri="{909E8E84-426E-40DD-AFC4-6F175D3DCCD1}">
+                <a14:hiddenFill xmlns:a14="http://schemas.microsoft.com/office/drawing/2010/main">
+                  <a:solidFill>
+                    <a:srgbClr val="00CC99"/>
+                  </a:solidFill>
+                </a14:hiddenFill>
+              </a:ext>
+              <a:ext uri="{91240B29-F687-4F45-9708-019B960494DF}">
+                <a14:hiddenLine xmlns:a14="http://schemas.microsoft.com/office/drawing/2010/main" w="9525">
+                  <a:solidFill>
+                    <a:srgbClr val="000000"/>
+                  </a:solidFill>
+                  <a:miter lim="800000"/>
+                  <a:headEnd/>
+                  <a:tailEnd/>
+                </a14:hiddenLine>
+              </a:ext>
+            </a:extLst>
+          </p:spPr>
+          <p:txBody>
+            <a:bodyPr vert="horz" wrap="none" lIns="91440" tIns="45720" rIns="91440" bIns="45720" numCol="1" anchor="t" anchorCtr="0" compatLnSpc="1">
+              <a:prstTxWarp prst="textNoShape">
+                <a:avLst/>
+              </a:prstTxWarp>
+            </a:bodyPr>
+            <a:lstStyle/>
+            <a:p>
+              <a:pPr marL="0" marR="0" lvl="0" indent="0" algn="l" defTabSz="914400" rtl="0" eaLnBrk="0" fontAlgn="base" latinLnBrk="0" hangingPunct="0">
+                <a:lnSpc>
+                  <a:spcPct val="100000"/>
+                </a:lnSpc>
+                <a:spcBef>
+                  <a:spcPct val="0"/>
+                </a:spcBef>
+                <a:spcAft>
+                  <a:spcPct val="0"/>
+                </a:spcAft>
+                <a:buClrTx/>
+                <a:buSzTx/>
+                <a:buFontTx/>
+                <a:buNone/>
+                <a:tabLst/>
+              </a:pPr>
+              <a:r>
+                <a:rPr kumimoji="0" lang="fr-FR" altLang="en-US" sz="1600" b="1" i="0" u="none" strike="noStrike" cap="none" normalizeH="0" baseline="0">
+                  <a:ln>
+                    <a:noFill/>
+                  </a:ln>
+                  <a:solidFill>
+                    <a:srgbClr val="FF0000"/>
+                  </a:solidFill>
+                  <a:effectLst/>
+                  <a:latin typeface="Arial" panose="020B0604020202020204" pitchFamily="34" charset="0"/>
+                  <a:ea typeface="Times New Roman" panose="02020603050405020304" pitchFamily="18" charset="0"/>
+                  <a:cs typeface="Arial" panose="020B0604020202020204" pitchFamily="34" charset="0"/>
+                </a:rPr>
+                <a:t>Long-Term Care</a:t>
+              </a:r>
+              <a:endParaRPr kumimoji="0" lang="fr-FR" altLang="en-US" sz="1800" b="0" i="0" u="none" strike="noStrike" cap="none" normalizeH="0" baseline="0">
                 <a:ln>
                   <a:noFill/>
                 </a:ln>
                 <a:solidFill>
-                  <a:srgbClr val="FF0000"/>
+                  <a:schemeClr val="tx1"/>
                 </a:solidFill>
                 <a:effectLst/>
                 <a:latin typeface="Arial" panose="020B0604020202020204" pitchFamily="34" charset="0"/>
-                <a:ea typeface="Times New Roman" panose="02020603050405020304" pitchFamily="18" charset="0"/>
-                <a:cs typeface="Arial" panose="020B0604020202020204" pitchFamily="34" charset="0"/>
-              </a:rPr>
-              <a:t>(Inpatient)</a:t>
-            </a:r>
-            <a:endParaRPr kumimoji="0" lang="en-US" altLang="en-US" sz="1800" b="0" i="0" u="none" strike="noStrike" cap="none" normalizeH="0" baseline="0">
-              <a:ln>
-                <a:noFill/>
-              </a:ln>
-              <a:solidFill>
-                <a:schemeClr val="tx1"/>
-              </a:solidFill>
-              <a:effectLst/>
-              <a:latin typeface="Arial" panose="020B0604020202020204" pitchFamily="34" charset="0"/>
-            </a:endParaRPr>
-          </a:p>
-        </p:txBody>
-      </p:sp>
-      <p:sp>
-        <p:nvSpPr>
-          <p:cNvPr id="9" name="Text Box 20">
-            <a:extLst>
-              <a:ext uri="{FF2B5EF4-FFF2-40B4-BE49-F238E27FC236}">
-                <a16:creationId xmlns:a16="http://schemas.microsoft.com/office/drawing/2014/main" id="{A08A2059-73E6-4048-8BC8-60491D75BD43}"/>
-              </a:ext>
-            </a:extLst>
-          </p:cNvPr>
-          <p:cNvSpPr txBox="1">
-            <a:spLocks noChangeArrowheads="1"/>
-          </p:cNvSpPr>
-          <p:nvPr/>
-        </p:nvSpPr>
-        <p:spPr bwMode="auto">
-          <a:xfrm>
-            <a:off x="761999" y="4111625"/>
-            <a:ext cx="2374735" cy="558800"/>
-          </a:xfrm>
-          <a:prstGeom prst="rect">
-            <a:avLst/>
-          </a:prstGeom>
-          <a:noFill/>
-          <a:ln>
+              </a:endParaRPr>
+            </a:p>
+          </p:txBody>
+        </p:sp>
+        <p:sp>
+          <p:nvSpPr>
+            <p:cNvPr id="11" name="Text Box 18">
+              <a:extLst>
+                <a:ext uri="{FF2B5EF4-FFF2-40B4-BE49-F238E27FC236}">
+                  <a16:creationId xmlns:a16="http://schemas.microsoft.com/office/drawing/2014/main" id="{C3A46B10-539F-DC40-B5F9-3357DDE817C8}"/>
+                </a:ext>
+              </a:extLst>
+            </p:cNvPr>
+            <p:cNvSpPr txBox="1">
+              <a:spLocks noChangeArrowheads="1"/>
+            </p:cNvSpPr>
+            <p:nvPr/>
+          </p:nvSpPr>
+          <p:spPr bwMode="auto">
+            <a:xfrm>
+              <a:off x="5581649" y="2511425"/>
+              <a:ext cx="3111721" cy="558800"/>
+            </a:xfrm>
+            <a:prstGeom prst="rect">
+              <a:avLst/>
+            </a:prstGeom>
             <a:noFill/>
-          </a:ln>
-          <a:extLst>
-            <a:ext uri="{909E8E84-426E-40DD-AFC4-6F175D3DCCD1}">
-              <a14:hiddenFill xmlns:a14="http://schemas.microsoft.com/office/drawing/2010/main">
-                <a:solidFill>
-                  <a:srgbClr val="00CC99"/>
-                </a:solidFill>
-              </a14:hiddenFill>
-            </a:ext>
-            <a:ext uri="{91240B29-F687-4F45-9708-019B960494DF}">
-              <a14:hiddenLine xmlns:a14="http://schemas.microsoft.com/office/drawing/2010/main" w="9525">
-                <a:solidFill>
-                  <a:srgbClr val="000000"/>
-                </a:solidFill>
-                <a:miter lim="800000"/>
-                <a:headEnd/>
-                <a:tailEnd/>
-              </a14:hiddenLine>
-            </a:ext>
-          </a:extLst>
-        </p:spPr>
-        <p:txBody>
-          <a:bodyPr vert="horz" wrap="square" lIns="91440" tIns="45720" rIns="91440" bIns="45720" numCol="1" anchor="t" anchorCtr="0" compatLnSpc="1">
-            <a:prstTxWarp prst="textNoShape">
-              <a:avLst/>
-            </a:prstTxWarp>
-          </a:bodyPr>
-          <a:lstStyle/>
-          <a:p>
-            <a:pPr marL="0" marR="0" lvl="0" indent="0" algn="l" defTabSz="914400" rtl="0" eaLnBrk="0" fontAlgn="base" latinLnBrk="0" hangingPunct="0">
-              <a:lnSpc>
-                <a:spcPct val="100000"/>
-              </a:lnSpc>
-              <a:spcBef>
-                <a:spcPct val="0"/>
-              </a:spcBef>
-              <a:spcAft>
-                <a:spcPct val="0"/>
-              </a:spcAft>
-              <a:buClrTx/>
-              <a:buSzTx/>
-              <a:buFontTx/>
-              <a:buNone/>
-              <a:tabLst/>
-            </a:pPr>
-            <a:r>
-              <a:rPr kumimoji="0" lang="en-US" altLang="en-US" sz="1600" b="1" i="0" u="none" strike="noStrike" cap="none" normalizeH="0" baseline="0">
+            <a:ln>
+              <a:noFill/>
+            </a:ln>
+            <a:extLst>
+              <a:ext uri="{909E8E84-426E-40DD-AFC4-6F175D3DCCD1}">
+                <a14:hiddenFill xmlns:a14="http://schemas.microsoft.com/office/drawing/2010/main">
+                  <a:solidFill>
+                    <a:srgbClr val="00CC99"/>
+                  </a:solidFill>
+                </a14:hiddenFill>
+              </a:ext>
+              <a:ext uri="{91240B29-F687-4F45-9708-019B960494DF}">
+                <a14:hiddenLine xmlns:a14="http://schemas.microsoft.com/office/drawing/2010/main" w="9525">
+                  <a:solidFill>
+                    <a:srgbClr val="000000"/>
+                  </a:solidFill>
+                  <a:miter lim="800000"/>
+                  <a:headEnd/>
+                  <a:tailEnd/>
+                </a14:hiddenLine>
+              </a:ext>
+            </a:extLst>
+          </p:spPr>
+          <p:txBody>
+            <a:bodyPr vert="horz" wrap="square" lIns="91440" tIns="45720" rIns="91440" bIns="45720" numCol="1" anchor="t" anchorCtr="0" compatLnSpc="1">
+              <a:prstTxWarp prst="textNoShape">
+                <a:avLst/>
+              </a:prstTxWarp>
+            </a:bodyPr>
+            <a:lstStyle/>
+            <a:p>
+              <a:pPr marL="0" marR="0" lvl="0" indent="0" algn="l" defTabSz="914400" rtl="0" eaLnBrk="0" fontAlgn="base" latinLnBrk="0" hangingPunct="0">
+                <a:lnSpc>
+                  <a:spcPct val="100000"/>
+                </a:lnSpc>
+                <a:spcBef>
+                  <a:spcPct val="0"/>
+                </a:spcBef>
+                <a:spcAft>
+                  <a:spcPct val="0"/>
+                </a:spcAft>
+                <a:buClrTx/>
+                <a:buSzTx/>
+                <a:buFontTx/>
+                <a:buNone/>
+                <a:tabLst/>
+              </a:pPr>
+              <a:r>
+                <a:rPr kumimoji="0" lang="en-US" altLang="en-US" sz="1600" b="1" i="0" u="none" strike="noStrike" cap="none" normalizeH="0" baseline="0">
+                  <a:ln>
+                    <a:noFill/>
+                  </a:ln>
+                  <a:solidFill>
+                    <a:srgbClr val="FF0000"/>
+                  </a:solidFill>
+                  <a:effectLst/>
+                  <a:latin typeface="Arial" panose="020B0604020202020204" pitchFamily="34" charset="0"/>
+                  <a:ea typeface="Times New Roman" panose="02020603050405020304" pitchFamily="18" charset="0"/>
+                  <a:cs typeface="Arial" panose="020B0604020202020204" pitchFamily="34" charset="0"/>
+                </a:rPr>
+                <a:t>Other Specialized Care</a:t>
+              </a:r>
+              <a:br>
+                <a:rPr kumimoji="0" lang="en-US" altLang="en-US" sz="1600" b="1" i="0" u="none" strike="noStrike" cap="none" normalizeH="0" baseline="0">
+                  <a:ln>
+                    <a:noFill/>
+                  </a:ln>
+                  <a:solidFill>
+                    <a:srgbClr val="FF0000"/>
+                  </a:solidFill>
+                  <a:effectLst/>
+                  <a:latin typeface="Arial" panose="020B0604020202020204" pitchFamily="34" charset="0"/>
+                  <a:ea typeface="Times New Roman" panose="02020603050405020304" pitchFamily="18" charset="0"/>
+                  <a:cs typeface="Arial" panose="020B0604020202020204" pitchFamily="34" charset="0"/>
+                </a:rPr>
+              </a:br>
+              <a:r>
+                <a:rPr kumimoji="0" lang="en-US" altLang="en-US" sz="1600" b="1" i="0" u="none" strike="noStrike" cap="none" normalizeH="0" baseline="0">
+                  <a:ln>
+                    <a:noFill/>
+                  </a:ln>
+                  <a:solidFill>
+                    <a:srgbClr val="FF0000"/>
+                  </a:solidFill>
+                  <a:effectLst/>
+                  <a:latin typeface="Arial" panose="020B0604020202020204" pitchFamily="34" charset="0"/>
+                  <a:ea typeface="Times New Roman" panose="02020603050405020304" pitchFamily="18" charset="0"/>
+                  <a:cs typeface="Arial" panose="020B0604020202020204" pitchFamily="34" charset="0"/>
+                </a:rPr>
+                <a:t>(incl. Diagnostics Services)</a:t>
+              </a:r>
+              <a:endParaRPr kumimoji="0" lang="en-US" altLang="en-US" sz="1800" b="0" i="0" u="none" strike="noStrike" cap="none" normalizeH="0" baseline="0">
                 <a:ln>
                   <a:noFill/>
                 </a:ln>
                 <a:solidFill>
-                  <a:srgbClr val="FF0000"/>
+                  <a:schemeClr val="tx1"/>
                 </a:solidFill>
                 <a:effectLst/>
                 <a:latin typeface="Arial" panose="020B0604020202020204" pitchFamily="34" charset="0"/>
-                <a:ea typeface="Times New Roman" panose="02020603050405020304" pitchFamily="18" charset="0"/>
-                <a:cs typeface="Arial" panose="020B0604020202020204" pitchFamily="34" charset="0"/>
-              </a:rPr>
-              <a:t>PCPs and Clinics </a:t>
-            </a:r>
-            <a:br>
-              <a:rPr kumimoji="0" lang="en-US" altLang="en-US" sz="1600" b="1" i="0" u="none" strike="noStrike" cap="none" normalizeH="0" baseline="0">
+              </a:endParaRPr>
+            </a:p>
+          </p:txBody>
+        </p:sp>
+        <p:sp>
+          <p:nvSpPr>
+            <p:cNvPr id="12" name="Oval 17">
+              <a:extLst>
+                <a:ext uri="{FF2B5EF4-FFF2-40B4-BE49-F238E27FC236}">
+                  <a16:creationId xmlns:a16="http://schemas.microsoft.com/office/drawing/2014/main" id="{EFF0CC1C-F157-F341-AE71-5CBFC79A8481}"/>
+                </a:ext>
+              </a:extLst>
+            </p:cNvPr>
+            <p:cNvSpPr>
+              <a:spLocks noChangeArrowheads="1"/>
+            </p:cNvSpPr>
+            <p:nvPr/>
+          </p:nvSpPr>
+          <p:spPr bwMode="auto">
+            <a:xfrm>
+              <a:off x="1828800" y="2130425"/>
+              <a:ext cx="327550" cy="304800"/>
+            </a:xfrm>
+            <a:prstGeom prst="ellipse">
+              <a:avLst/>
+            </a:prstGeom>
+            <a:solidFill>
+              <a:srgbClr val="FF0000"/>
+            </a:solidFill>
+            <a:ln w="9525">
+              <a:solidFill>
+                <a:srgbClr val="000000"/>
+              </a:solidFill>
+              <a:round/>
+              <a:headEnd/>
+              <a:tailEnd/>
+            </a:ln>
+          </p:spPr>
+          <p:txBody>
+            <a:bodyPr vert="horz" wrap="none" lIns="91440" tIns="45720" rIns="91440" bIns="45720" numCol="1" anchor="ctr" anchorCtr="0" compatLnSpc="1">
+              <a:prstTxWarp prst="textNoShape">
+                <a:avLst/>
+              </a:prstTxWarp>
+            </a:bodyPr>
+            <a:lstStyle/>
+            <a:p>
+              <a:endParaRPr lang="en-US"/>
+            </a:p>
+          </p:txBody>
+        </p:sp>
+        <p:sp>
+          <p:nvSpPr>
+            <p:cNvPr id="13" name="Oval 16">
+              <a:extLst>
+                <a:ext uri="{FF2B5EF4-FFF2-40B4-BE49-F238E27FC236}">
+                  <a16:creationId xmlns:a16="http://schemas.microsoft.com/office/drawing/2014/main" id="{C86F41C9-1435-0C4D-BFBA-A08C964E4EED}"/>
+                </a:ext>
+              </a:extLst>
+            </p:cNvPr>
+            <p:cNvSpPr>
+              <a:spLocks noChangeArrowheads="1"/>
+            </p:cNvSpPr>
+            <p:nvPr/>
+          </p:nvSpPr>
+          <p:spPr bwMode="auto">
+            <a:xfrm>
+              <a:off x="7467600" y="1216025"/>
+              <a:ext cx="327550" cy="304800"/>
+            </a:xfrm>
+            <a:prstGeom prst="ellipse">
+              <a:avLst/>
+            </a:prstGeom>
+            <a:solidFill>
+              <a:srgbClr val="FF0000"/>
+            </a:solidFill>
+            <a:ln w="9525">
+              <a:solidFill>
+                <a:srgbClr val="000000"/>
+              </a:solidFill>
+              <a:round/>
+              <a:headEnd/>
+              <a:tailEnd/>
+            </a:ln>
+          </p:spPr>
+          <p:txBody>
+            <a:bodyPr vert="horz" wrap="none" lIns="91440" tIns="45720" rIns="91440" bIns="45720" numCol="1" anchor="ctr" anchorCtr="0" compatLnSpc="1">
+              <a:prstTxWarp prst="textNoShape">
+                <a:avLst/>
+              </a:prstTxWarp>
+            </a:bodyPr>
+            <a:lstStyle/>
+            <a:p>
+              <a:endParaRPr lang="en-US"/>
+            </a:p>
+          </p:txBody>
+        </p:sp>
+        <p:sp>
+          <p:nvSpPr>
+            <p:cNvPr id="14" name="Oval 15">
+              <a:extLst>
+                <a:ext uri="{FF2B5EF4-FFF2-40B4-BE49-F238E27FC236}">
+                  <a16:creationId xmlns:a16="http://schemas.microsoft.com/office/drawing/2014/main" id="{133E3CFD-A413-C949-BC73-84C4AEF6932B}"/>
+                </a:ext>
+              </a:extLst>
+            </p:cNvPr>
+            <p:cNvSpPr>
+              <a:spLocks noChangeArrowheads="1"/>
+            </p:cNvSpPr>
+            <p:nvPr/>
+          </p:nvSpPr>
+          <p:spPr bwMode="auto">
+            <a:xfrm>
+              <a:off x="6019800" y="3273425"/>
+              <a:ext cx="327550" cy="304800"/>
+            </a:xfrm>
+            <a:prstGeom prst="ellipse">
+              <a:avLst/>
+            </a:prstGeom>
+            <a:solidFill>
+              <a:srgbClr val="FF0000"/>
+            </a:solidFill>
+            <a:ln w="9525">
+              <a:solidFill>
+                <a:srgbClr val="000000"/>
+              </a:solidFill>
+              <a:round/>
+              <a:headEnd/>
+              <a:tailEnd/>
+            </a:ln>
+          </p:spPr>
+          <p:txBody>
+            <a:bodyPr vert="horz" wrap="none" lIns="91440" tIns="45720" rIns="91440" bIns="45720" numCol="1" anchor="ctr" anchorCtr="0" compatLnSpc="1">
+              <a:prstTxWarp prst="textNoShape">
+                <a:avLst/>
+              </a:prstTxWarp>
+            </a:bodyPr>
+            <a:lstStyle/>
+            <a:p>
+              <a:endParaRPr lang="en-US"/>
+            </a:p>
+          </p:txBody>
+        </p:sp>
+        <p:sp>
+          <p:nvSpPr>
+            <p:cNvPr id="15" name="Oval 14">
+              <a:extLst>
+                <a:ext uri="{FF2B5EF4-FFF2-40B4-BE49-F238E27FC236}">
+                  <a16:creationId xmlns:a16="http://schemas.microsoft.com/office/drawing/2014/main" id="{7B1CFE13-0513-9847-9186-A75099EF1CE9}"/>
+                </a:ext>
+              </a:extLst>
+            </p:cNvPr>
+            <p:cNvSpPr>
+              <a:spLocks noChangeArrowheads="1"/>
+            </p:cNvSpPr>
+            <p:nvPr/>
+          </p:nvSpPr>
+          <p:spPr bwMode="auto">
+            <a:xfrm>
+              <a:off x="381000" y="4416425"/>
+              <a:ext cx="327550" cy="304800"/>
+            </a:xfrm>
+            <a:prstGeom prst="ellipse">
+              <a:avLst/>
+            </a:prstGeom>
+            <a:solidFill>
+              <a:srgbClr val="FF0000"/>
+            </a:solidFill>
+            <a:ln w="9525">
+              <a:solidFill>
+                <a:srgbClr val="000000"/>
+              </a:solidFill>
+              <a:round/>
+              <a:headEnd/>
+              <a:tailEnd/>
+            </a:ln>
+          </p:spPr>
+          <p:txBody>
+            <a:bodyPr vert="horz" wrap="none" lIns="91440" tIns="45720" rIns="91440" bIns="45720" numCol="1" anchor="ctr" anchorCtr="0" compatLnSpc="1">
+              <a:prstTxWarp prst="textNoShape">
+                <a:avLst/>
+              </a:prstTxWarp>
+            </a:bodyPr>
+            <a:lstStyle/>
+            <a:p>
+              <a:endParaRPr lang="en-US"/>
+            </a:p>
+          </p:txBody>
+        </p:sp>
+        <p:sp>
+          <p:nvSpPr>
+            <p:cNvPr id="16" name="Oval 13">
+              <a:extLst>
+                <a:ext uri="{FF2B5EF4-FFF2-40B4-BE49-F238E27FC236}">
+                  <a16:creationId xmlns:a16="http://schemas.microsoft.com/office/drawing/2014/main" id="{4C990AC7-546B-404E-AC46-D5CCE05393ED}"/>
+                </a:ext>
+              </a:extLst>
+            </p:cNvPr>
+            <p:cNvSpPr>
+              <a:spLocks noChangeArrowheads="1"/>
+            </p:cNvSpPr>
+            <p:nvPr/>
+          </p:nvSpPr>
+          <p:spPr bwMode="auto">
+            <a:xfrm>
+              <a:off x="2590800" y="4492625"/>
+              <a:ext cx="327550" cy="304800"/>
+            </a:xfrm>
+            <a:prstGeom prst="ellipse">
+              <a:avLst/>
+            </a:prstGeom>
+            <a:solidFill>
+              <a:srgbClr val="FF0000"/>
+            </a:solidFill>
+            <a:ln w="9525">
+              <a:solidFill>
+                <a:srgbClr val="000000"/>
+              </a:solidFill>
+              <a:round/>
+              <a:headEnd/>
+              <a:tailEnd/>
+            </a:ln>
+          </p:spPr>
+          <p:txBody>
+            <a:bodyPr vert="horz" wrap="none" lIns="91440" tIns="45720" rIns="91440" bIns="45720" numCol="1" anchor="ctr" anchorCtr="0" compatLnSpc="1">
+              <a:prstTxWarp prst="textNoShape">
+                <a:avLst/>
+              </a:prstTxWarp>
+            </a:bodyPr>
+            <a:lstStyle/>
+            <a:p>
+              <a:endParaRPr lang="en-US"/>
+            </a:p>
+          </p:txBody>
+        </p:sp>
+        <p:sp>
+          <p:nvSpPr>
+            <p:cNvPr id="17" name="Oval 12">
+              <a:extLst>
+                <a:ext uri="{FF2B5EF4-FFF2-40B4-BE49-F238E27FC236}">
+                  <a16:creationId xmlns:a16="http://schemas.microsoft.com/office/drawing/2014/main" id="{D53D1A1B-3213-EE4F-89C0-0AB5799A91E4}"/>
+                </a:ext>
+              </a:extLst>
+            </p:cNvPr>
+            <p:cNvSpPr>
+              <a:spLocks noChangeArrowheads="1"/>
+            </p:cNvSpPr>
+            <p:nvPr/>
+          </p:nvSpPr>
+          <p:spPr bwMode="auto">
+            <a:xfrm>
+              <a:off x="2971800" y="2206625"/>
+              <a:ext cx="327550" cy="304800"/>
+            </a:xfrm>
+            <a:prstGeom prst="ellipse">
+              <a:avLst/>
+            </a:prstGeom>
+            <a:solidFill>
+              <a:srgbClr val="FF0000"/>
+            </a:solidFill>
+            <a:ln w="9525">
+              <a:solidFill>
+                <a:srgbClr val="000000"/>
+              </a:solidFill>
+              <a:round/>
+              <a:headEnd/>
+              <a:tailEnd/>
+            </a:ln>
+          </p:spPr>
+          <p:txBody>
+            <a:bodyPr vert="horz" wrap="none" lIns="91440" tIns="45720" rIns="91440" bIns="45720" numCol="1" anchor="ctr" anchorCtr="0" compatLnSpc="1">
+              <a:prstTxWarp prst="textNoShape">
+                <a:avLst/>
+              </a:prstTxWarp>
+            </a:bodyPr>
+            <a:lstStyle/>
+            <a:p>
+              <a:endParaRPr lang="en-US"/>
+            </a:p>
+          </p:txBody>
+        </p:sp>
+        <p:sp>
+          <p:nvSpPr>
+            <p:cNvPr id="18" name="Oval 11">
+              <a:extLst>
+                <a:ext uri="{FF2B5EF4-FFF2-40B4-BE49-F238E27FC236}">
+                  <a16:creationId xmlns:a16="http://schemas.microsoft.com/office/drawing/2014/main" id="{F28C93D9-E78C-454E-8F1F-9DCED71D4E13}"/>
+                </a:ext>
+              </a:extLst>
+            </p:cNvPr>
+            <p:cNvSpPr>
+              <a:spLocks noChangeArrowheads="1"/>
+            </p:cNvSpPr>
+            <p:nvPr/>
+          </p:nvSpPr>
+          <p:spPr bwMode="auto">
+            <a:xfrm>
+              <a:off x="3581400" y="1520825"/>
+              <a:ext cx="327550" cy="304800"/>
+            </a:xfrm>
+            <a:prstGeom prst="ellipse">
+              <a:avLst/>
+            </a:prstGeom>
+            <a:solidFill>
+              <a:srgbClr val="FF0000"/>
+            </a:solidFill>
+            <a:ln w="9525">
+              <a:solidFill>
+                <a:srgbClr val="000000"/>
+              </a:solidFill>
+              <a:round/>
+              <a:headEnd/>
+              <a:tailEnd/>
+            </a:ln>
+          </p:spPr>
+          <p:txBody>
+            <a:bodyPr vert="horz" wrap="none" lIns="91440" tIns="45720" rIns="91440" bIns="45720" numCol="1" anchor="ctr" anchorCtr="0" compatLnSpc="1">
+              <a:prstTxWarp prst="textNoShape">
+                <a:avLst/>
+              </a:prstTxWarp>
+            </a:bodyPr>
+            <a:lstStyle/>
+            <a:p>
+              <a:endParaRPr lang="en-US"/>
+            </a:p>
+          </p:txBody>
+        </p:sp>
+        <p:sp>
+          <p:nvSpPr>
+            <p:cNvPr id="19" name="Oval 10">
+              <a:extLst>
+                <a:ext uri="{FF2B5EF4-FFF2-40B4-BE49-F238E27FC236}">
+                  <a16:creationId xmlns:a16="http://schemas.microsoft.com/office/drawing/2014/main" id="{0FC3F344-47C8-AF4B-B547-93443A115C64}"/>
+                </a:ext>
+              </a:extLst>
+            </p:cNvPr>
+            <p:cNvSpPr>
+              <a:spLocks noChangeArrowheads="1"/>
+            </p:cNvSpPr>
+            <p:nvPr/>
+          </p:nvSpPr>
+          <p:spPr bwMode="auto">
+            <a:xfrm>
+              <a:off x="6848475" y="5292725"/>
+              <a:ext cx="327550" cy="304800"/>
+            </a:xfrm>
+            <a:prstGeom prst="ellipse">
+              <a:avLst/>
+            </a:prstGeom>
+            <a:solidFill>
+              <a:srgbClr val="FF0000"/>
+            </a:solidFill>
+            <a:ln w="9525">
+              <a:solidFill>
+                <a:srgbClr val="000000"/>
+              </a:solidFill>
+              <a:round/>
+              <a:headEnd/>
+              <a:tailEnd/>
+            </a:ln>
+          </p:spPr>
+          <p:txBody>
+            <a:bodyPr vert="horz" wrap="none" lIns="91440" tIns="45720" rIns="91440" bIns="45720" numCol="1" anchor="ctr" anchorCtr="0" compatLnSpc="1">
+              <a:prstTxWarp prst="textNoShape">
+                <a:avLst/>
+              </a:prstTxWarp>
+            </a:bodyPr>
+            <a:lstStyle/>
+            <a:p>
+              <a:endParaRPr lang="en-US"/>
+            </a:p>
+          </p:txBody>
+        </p:sp>
+        <p:sp>
+          <p:nvSpPr>
+            <p:cNvPr id="20" name="AutoShape 9">
+              <a:extLst>
+                <a:ext uri="{FF2B5EF4-FFF2-40B4-BE49-F238E27FC236}">
+                  <a16:creationId xmlns:a16="http://schemas.microsoft.com/office/drawing/2014/main" id="{C69A6305-011A-0349-BB0D-F85D0513E681}"/>
+                </a:ext>
+              </a:extLst>
+            </p:cNvPr>
+            <p:cNvSpPr>
+              <a:spLocks noChangeShapeType="1"/>
+            </p:cNvSpPr>
+            <p:nvPr/>
+          </p:nvSpPr>
+          <p:spPr bwMode="auto">
+            <a:xfrm rot="16200000">
+              <a:off x="160273" y="2655952"/>
+              <a:ext cx="2286000" cy="1323846"/>
+            </a:xfrm>
+            <a:prstGeom prst="curvedConnector3">
+              <a:avLst>
+                <a:gd name="adj1" fmla="val 111944"/>
+              </a:avLst>
+            </a:prstGeom>
+            <a:noFill/>
+            <a:ln w="38100">
+              <a:solidFill>
+                <a:srgbClr val="808080"/>
+              </a:solidFill>
+              <a:prstDash val="dash"/>
+              <a:round/>
+              <a:headEnd/>
+              <a:tailEnd type="stealth" w="lg" len="med"/>
+            </a:ln>
+            <a:extLst>
+              <a:ext uri="{909E8E84-426E-40DD-AFC4-6F175D3DCCD1}">
+                <a14:hiddenFill xmlns:a14="http://schemas.microsoft.com/office/drawing/2010/main">
+                  <a:noFill/>
+                </a14:hiddenFill>
+              </a:ext>
+            </a:extLst>
+          </p:spPr>
+          <p:txBody>
+            <a:bodyPr vert="horz" wrap="none" lIns="91440" tIns="45720" rIns="91440" bIns="45720" numCol="1" anchor="t" anchorCtr="0" compatLnSpc="1">
+              <a:prstTxWarp prst="textNoShape">
+                <a:avLst/>
+              </a:prstTxWarp>
+            </a:bodyPr>
+            <a:lstStyle/>
+            <a:p>
+              <a:endParaRPr lang="en-US"/>
+            </a:p>
+          </p:txBody>
+        </p:sp>
+        <p:sp>
+          <p:nvSpPr>
+            <p:cNvPr id="21" name="AutoShape 8">
+              <a:extLst>
+                <a:ext uri="{FF2B5EF4-FFF2-40B4-BE49-F238E27FC236}">
+                  <a16:creationId xmlns:a16="http://schemas.microsoft.com/office/drawing/2014/main" id="{5ECA5C4C-A9E5-C64A-A5AD-B9C4E9E1B681}"/>
+                </a:ext>
+              </a:extLst>
+            </p:cNvPr>
+            <p:cNvSpPr>
+              <a:spLocks noChangeShapeType="1"/>
+            </p:cNvSpPr>
+            <p:nvPr/>
+          </p:nvSpPr>
+          <p:spPr bwMode="auto">
+            <a:xfrm rot="5400000" flipH="1">
+              <a:off x="3761496" y="718428"/>
+              <a:ext cx="927100" cy="4271793"/>
+            </a:xfrm>
+            <a:prstGeom prst="curvedConnector3">
+              <a:avLst>
+                <a:gd name="adj1" fmla="val 50000"/>
+              </a:avLst>
+            </a:prstGeom>
+            <a:noFill/>
+            <a:ln w="38100">
+              <a:solidFill>
+                <a:srgbClr val="808080"/>
+              </a:solidFill>
+              <a:prstDash val="dash"/>
+              <a:round/>
+              <a:headEnd/>
+              <a:tailEnd type="stealth" w="lg" len="med"/>
+            </a:ln>
+            <a:extLst>
+              <a:ext uri="{909E8E84-426E-40DD-AFC4-6F175D3DCCD1}">
+                <a14:hiddenFill xmlns:a14="http://schemas.microsoft.com/office/drawing/2010/main">
+                  <a:noFill/>
+                </a14:hiddenFill>
+              </a:ext>
+            </a:extLst>
+          </p:spPr>
+          <p:txBody>
+            <a:bodyPr vert="horz" wrap="none" lIns="91440" tIns="45720" rIns="91440" bIns="45720" numCol="1" anchor="t" anchorCtr="0" compatLnSpc="1">
+              <a:prstTxWarp prst="textNoShape">
+                <a:avLst/>
+              </a:prstTxWarp>
+            </a:bodyPr>
+            <a:lstStyle/>
+            <a:p>
+              <a:endParaRPr lang="en-US"/>
+            </a:p>
+          </p:txBody>
+        </p:sp>
+        <p:sp>
+          <p:nvSpPr>
+            <p:cNvPr id="22" name="AutoShape 7">
+              <a:extLst>
+                <a:ext uri="{FF2B5EF4-FFF2-40B4-BE49-F238E27FC236}">
+                  <a16:creationId xmlns:a16="http://schemas.microsoft.com/office/drawing/2014/main" id="{AF8ACFD2-01C4-3549-BF40-C1D31A921720}"/>
+                </a:ext>
+              </a:extLst>
+            </p:cNvPr>
+            <p:cNvSpPr>
+              <a:spLocks noChangeShapeType="1"/>
+            </p:cNvSpPr>
+            <p:nvPr/>
+          </p:nvSpPr>
+          <p:spPr bwMode="auto">
+            <a:xfrm rot="5400000">
+              <a:off x="4075959" y="2308965"/>
+              <a:ext cx="1003300" cy="3452919"/>
+            </a:xfrm>
+            <a:prstGeom prst="curvedConnector3">
+              <a:avLst>
+                <a:gd name="adj1" fmla="val 50000"/>
+              </a:avLst>
+            </a:prstGeom>
+            <a:noFill/>
+            <a:ln w="38100">
+              <a:solidFill>
+                <a:srgbClr val="808080"/>
+              </a:solidFill>
+              <a:prstDash val="dash"/>
+              <a:round/>
+              <a:headEnd/>
+              <a:tailEnd type="stealth" w="lg" len="med"/>
+            </a:ln>
+            <a:extLst>
+              <a:ext uri="{909E8E84-426E-40DD-AFC4-6F175D3DCCD1}">
+                <a14:hiddenFill xmlns:a14="http://schemas.microsoft.com/office/drawing/2010/main">
+                  <a:noFill/>
+                </a14:hiddenFill>
+              </a:ext>
+            </a:extLst>
+          </p:spPr>
+          <p:txBody>
+            <a:bodyPr vert="horz" wrap="none" lIns="91440" tIns="45720" rIns="91440" bIns="45720" numCol="1" anchor="t" anchorCtr="0" compatLnSpc="1">
+              <a:prstTxWarp prst="textNoShape">
+                <a:avLst/>
+              </a:prstTxWarp>
+            </a:bodyPr>
+            <a:lstStyle/>
+            <a:p>
+              <a:endParaRPr lang="en-US"/>
+            </a:p>
+          </p:txBody>
+        </p:sp>
+        <p:sp>
+          <p:nvSpPr>
+            <p:cNvPr id="23" name="AutoShape 6">
+              <a:extLst>
+                <a:ext uri="{FF2B5EF4-FFF2-40B4-BE49-F238E27FC236}">
+                  <a16:creationId xmlns:a16="http://schemas.microsoft.com/office/drawing/2014/main" id="{B027ABD3-A699-0E49-A1A5-5A325BF20EA3}"/>
+                </a:ext>
+              </a:extLst>
+            </p:cNvPr>
+            <p:cNvSpPr>
+              <a:spLocks noChangeShapeType="1"/>
+            </p:cNvSpPr>
+            <p:nvPr/>
+          </p:nvSpPr>
+          <p:spPr bwMode="auto">
+            <a:xfrm rot="5400000" flipH="1" flipV="1">
+              <a:off x="4658418" y="780357"/>
+              <a:ext cx="2165350" cy="5779886"/>
+            </a:xfrm>
+            <a:prstGeom prst="curvedConnector4">
+              <a:avLst>
+                <a:gd name="adj1" fmla="val 8208"/>
+                <a:gd name="adj2" fmla="val 104250"/>
+              </a:avLst>
+            </a:prstGeom>
+            <a:noFill/>
+            <a:ln w="38100">
+              <a:solidFill>
+                <a:srgbClr val="808080"/>
+              </a:solidFill>
+              <a:prstDash val="dash"/>
+              <a:round/>
+              <a:headEnd/>
+              <a:tailEnd type="stealth" w="lg" len="med"/>
+            </a:ln>
+            <a:extLst>
+              <a:ext uri="{909E8E84-426E-40DD-AFC4-6F175D3DCCD1}">
+                <a14:hiddenFill xmlns:a14="http://schemas.microsoft.com/office/drawing/2010/main">
+                  <a:noFill/>
+                </a14:hiddenFill>
+              </a:ext>
+            </a:extLst>
+          </p:spPr>
+          <p:txBody>
+            <a:bodyPr vert="horz" wrap="none" lIns="91440" tIns="45720" rIns="91440" bIns="45720" numCol="1" anchor="t" anchorCtr="0" compatLnSpc="1">
+              <a:prstTxWarp prst="textNoShape">
+                <a:avLst/>
+              </a:prstTxWarp>
+            </a:bodyPr>
+            <a:lstStyle/>
+            <a:p>
+              <a:endParaRPr lang="en-US"/>
+            </a:p>
+          </p:txBody>
+        </p:sp>
+        <p:sp>
+          <p:nvSpPr>
+            <p:cNvPr id="24" name="AutoShape 5">
+              <a:extLst>
+                <a:ext uri="{FF2B5EF4-FFF2-40B4-BE49-F238E27FC236}">
+                  <a16:creationId xmlns:a16="http://schemas.microsoft.com/office/drawing/2014/main" id="{58F89C24-3111-DB4E-B58A-4F22FA6767F5}"/>
+                </a:ext>
+              </a:extLst>
+            </p:cNvPr>
+            <p:cNvSpPr>
+              <a:spLocks noChangeShapeType="1"/>
+            </p:cNvSpPr>
+            <p:nvPr/>
+          </p:nvSpPr>
+          <p:spPr bwMode="auto">
+            <a:xfrm rot="16200000" flipH="1">
+              <a:off x="5817953" y="-182328"/>
+              <a:ext cx="76200" cy="5158906"/>
+            </a:xfrm>
+            <a:prstGeom prst="curvedConnector2">
+              <a:avLst/>
+            </a:prstGeom>
+            <a:noFill/>
+            <a:ln w="38100">
+              <a:solidFill>
+                <a:srgbClr val="808080"/>
+              </a:solidFill>
+              <a:prstDash val="dash"/>
+              <a:round/>
+              <a:headEnd/>
+              <a:tailEnd type="stealth" w="lg" len="med"/>
+            </a:ln>
+            <a:extLst>
+              <a:ext uri="{909E8E84-426E-40DD-AFC4-6F175D3DCCD1}">
+                <a14:hiddenFill xmlns:a14="http://schemas.microsoft.com/office/drawing/2010/main">
+                  <a:noFill/>
+                </a14:hiddenFill>
+              </a:ext>
+            </a:extLst>
+          </p:spPr>
+          <p:txBody>
+            <a:bodyPr vert="horz" wrap="none" lIns="91440" tIns="45720" rIns="91440" bIns="45720" numCol="1" anchor="t" anchorCtr="0" compatLnSpc="1">
+              <a:prstTxWarp prst="textNoShape">
+                <a:avLst/>
+              </a:prstTxWarp>
+            </a:bodyPr>
+            <a:lstStyle/>
+            <a:p>
+              <a:endParaRPr lang="en-US"/>
+            </a:p>
+          </p:txBody>
+        </p:sp>
+        <p:sp>
+          <p:nvSpPr>
+            <p:cNvPr id="25" name="AutoShape 4">
+              <a:extLst>
+                <a:ext uri="{FF2B5EF4-FFF2-40B4-BE49-F238E27FC236}">
+                  <a16:creationId xmlns:a16="http://schemas.microsoft.com/office/drawing/2014/main" id="{6F3B972E-C573-8940-BFD3-F4377808112A}"/>
+                </a:ext>
+              </a:extLst>
+            </p:cNvPr>
+            <p:cNvSpPr>
+              <a:spLocks noChangeShapeType="1"/>
+            </p:cNvSpPr>
+            <p:nvPr/>
+          </p:nvSpPr>
+          <p:spPr bwMode="auto">
+            <a:xfrm rot="16200000">
+              <a:off x="5691562" y="-481388"/>
+              <a:ext cx="196850" cy="3896475"/>
+            </a:xfrm>
+            <a:prstGeom prst="curvedConnector2">
+              <a:avLst/>
+            </a:prstGeom>
+            <a:noFill/>
+            <a:ln w="38100">
+              <a:solidFill>
+                <a:srgbClr val="808080"/>
+              </a:solidFill>
+              <a:prstDash val="dash"/>
+              <a:round/>
+              <a:headEnd/>
+              <a:tailEnd type="stealth" w="lg" len="med"/>
+            </a:ln>
+            <a:extLst>
+              <a:ext uri="{909E8E84-426E-40DD-AFC4-6F175D3DCCD1}">
+                <a14:hiddenFill xmlns:a14="http://schemas.microsoft.com/office/drawing/2010/main">
+                  <a:noFill/>
+                </a14:hiddenFill>
+              </a:ext>
+            </a:extLst>
+          </p:spPr>
+          <p:txBody>
+            <a:bodyPr vert="horz" wrap="none" lIns="91440" tIns="45720" rIns="91440" bIns="45720" numCol="1" anchor="t" anchorCtr="0" compatLnSpc="1">
+              <a:prstTxWarp prst="textNoShape">
+                <a:avLst/>
+              </a:prstTxWarp>
+            </a:bodyPr>
+            <a:lstStyle/>
+            <a:p>
+              <a:endParaRPr lang="en-US"/>
+            </a:p>
+          </p:txBody>
+        </p:sp>
+        <p:sp>
+          <p:nvSpPr>
+            <p:cNvPr id="26" name="AutoShape 3">
+              <a:extLst>
+                <a:ext uri="{FF2B5EF4-FFF2-40B4-BE49-F238E27FC236}">
+                  <a16:creationId xmlns:a16="http://schemas.microsoft.com/office/drawing/2014/main" id="{4CDE008C-148C-8E42-8D39-B81947BDAB3B}"/>
+                </a:ext>
+              </a:extLst>
+            </p:cNvPr>
+            <p:cNvSpPr>
+              <a:spLocks noChangeShapeType="1"/>
+            </p:cNvSpPr>
+            <p:nvPr/>
+          </p:nvSpPr>
+          <p:spPr bwMode="auto">
+            <a:xfrm rot="16200000">
+              <a:off x="3294658" y="1610716"/>
+              <a:ext cx="577850" cy="702867"/>
+            </a:xfrm>
+            <a:prstGeom prst="curvedConnector4">
+              <a:avLst>
+                <a:gd name="adj1" fmla="val 40657"/>
+                <a:gd name="adj2" fmla="val 134954"/>
+              </a:avLst>
+            </a:prstGeom>
+            <a:noFill/>
+            <a:ln w="38100">
+              <a:solidFill>
+                <a:srgbClr val="808080"/>
+              </a:solidFill>
+              <a:prstDash val="dash"/>
+              <a:round/>
+              <a:headEnd/>
+              <a:tailEnd type="stealth" w="lg" len="med"/>
+            </a:ln>
+            <a:extLst>
+              <a:ext uri="{909E8E84-426E-40DD-AFC4-6F175D3DCCD1}">
+                <a14:hiddenFill xmlns:a14="http://schemas.microsoft.com/office/drawing/2010/main">
+                  <a:noFill/>
+                </a14:hiddenFill>
+              </a:ext>
+            </a:extLst>
+          </p:spPr>
+          <p:txBody>
+            <a:bodyPr vert="horz" wrap="none" lIns="91440" tIns="45720" rIns="91440" bIns="45720" numCol="1" anchor="t" anchorCtr="0" compatLnSpc="1">
+              <a:prstTxWarp prst="textNoShape">
+                <a:avLst/>
+              </a:prstTxWarp>
+            </a:bodyPr>
+            <a:lstStyle/>
+            <a:p>
+              <a:endParaRPr lang="en-US"/>
+            </a:p>
+          </p:txBody>
+        </p:sp>
+        <p:sp>
+          <p:nvSpPr>
+            <p:cNvPr id="27" name="Text Box 2">
+              <a:extLst>
+                <a:ext uri="{FF2B5EF4-FFF2-40B4-BE49-F238E27FC236}">
+                  <a16:creationId xmlns:a16="http://schemas.microsoft.com/office/drawing/2014/main" id="{985B2B41-4073-1140-984D-0D4DC8969563}"/>
+                </a:ext>
+              </a:extLst>
+            </p:cNvPr>
+            <p:cNvSpPr txBox="1">
+              <a:spLocks noChangeArrowheads="1"/>
+            </p:cNvSpPr>
+            <p:nvPr/>
+          </p:nvSpPr>
+          <p:spPr bwMode="auto">
+            <a:xfrm>
+              <a:off x="7124700" y="5276850"/>
+              <a:ext cx="1361378" cy="352425"/>
+            </a:xfrm>
+            <a:prstGeom prst="rect">
+              <a:avLst/>
+            </a:prstGeom>
+            <a:noFill/>
+            <a:ln>
+              <a:noFill/>
+            </a:ln>
+            <a:extLst>
+              <a:ext uri="{909E8E84-426E-40DD-AFC4-6F175D3DCCD1}">
+                <a14:hiddenFill xmlns:a14="http://schemas.microsoft.com/office/drawing/2010/main">
+                  <a:solidFill>
+                    <a:srgbClr val="FFFFFF"/>
+                  </a:solidFill>
+                </a14:hiddenFill>
+              </a:ext>
+              <a:ext uri="{91240B29-F687-4F45-9708-019B960494DF}">
+                <a14:hiddenLine xmlns:a14="http://schemas.microsoft.com/office/drawing/2010/main" w="9525">
+                  <a:solidFill>
+                    <a:srgbClr val="000000"/>
+                  </a:solidFill>
+                  <a:miter lim="800000"/>
+                  <a:headEnd/>
+                  <a:tailEnd/>
+                </a14:hiddenLine>
+              </a:ext>
+            </a:extLst>
+          </p:spPr>
+          <p:txBody>
+            <a:bodyPr vert="horz" wrap="square" lIns="91440" tIns="45720" rIns="91440" bIns="45720" numCol="1" anchor="t" anchorCtr="0" compatLnSpc="1">
+              <a:prstTxWarp prst="textNoShape">
+                <a:avLst/>
+              </a:prstTxWarp>
+            </a:bodyPr>
+            <a:lstStyle/>
+            <a:p>
+              <a:pPr marL="0" marR="0" lvl="0" indent="0" algn="l" defTabSz="914400" rtl="0" eaLnBrk="0" fontAlgn="base" latinLnBrk="0" hangingPunct="0">
+                <a:lnSpc>
+                  <a:spcPct val="100000"/>
+                </a:lnSpc>
+                <a:spcBef>
+                  <a:spcPct val="0"/>
+                </a:spcBef>
+                <a:spcAft>
+                  <a:spcPct val="0"/>
+                </a:spcAft>
+                <a:buClrTx/>
+                <a:buSzTx/>
+                <a:buFontTx/>
+                <a:buNone/>
+                <a:tabLst/>
+              </a:pPr>
+              <a:r>
+                <a:rPr kumimoji="0" lang="en-US" altLang="en-US" sz="1600" b="1" i="0" u="none" strike="noStrike" cap="none" normalizeH="0" baseline="0">
+                  <a:ln>
+                    <a:noFill/>
+                  </a:ln>
+                  <a:solidFill>
+                    <a:srgbClr val="FF0000"/>
+                  </a:solidFill>
+                  <a:effectLst/>
+                  <a:latin typeface="Arial" panose="020B0604020202020204" pitchFamily="34" charset="0"/>
+                  <a:ea typeface="Times New Roman" panose="02020603050405020304" pitchFamily="18" charset="0"/>
+                  <a:cs typeface="Arial" panose="020B0604020202020204" pitchFamily="34" charset="0"/>
+                </a:rPr>
+                <a:t>Encounters</a:t>
+              </a:r>
+              <a:endParaRPr kumimoji="0" lang="en-US" altLang="en-US" sz="1800" b="0" i="0" u="none" strike="noStrike" cap="none" normalizeH="0" baseline="0">
                 <a:ln>
                   <a:noFill/>
                 </a:ln>
                 <a:solidFill>
-                  <a:srgbClr val="FF0000"/>
+                  <a:schemeClr val="tx1"/>
                 </a:solidFill>
                 <a:effectLst/>
                 <a:latin typeface="Arial" panose="020B0604020202020204" pitchFamily="34" charset="0"/>
-                <a:ea typeface="Times New Roman" panose="02020603050405020304" pitchFamily="18" charset="0"/>
-                <a:cs typeface="Arial" panose="020B0604020202020204" pitchFamily="34" charset="0"/>
-              </a:rPr>
-            </a:br>
-            <a:r>
-              <a:rPr kumimoji="0" lang="en-US" altLang="en-US" sz="1600" b="1" i="0" u="none" strike="noStrike" cap="none" normalizeH="0" baseline="0">
-                <a:ln>
-                  <a:noFill/>
-                </a:ln>
-                <a:solidFill>
-                  <a:srgbClr val="FF0000"/>
-                </a:solidFill>
-                <a:effectLst/>
-                <a:latin typeface="Arial" panose="020B0604020202020204" pitchFamily="34" charset="0"/>
-                <a:ea typeface="Times New Roman" panose="02020603050405020304" pitchFamily="18" charset="0"/>
-                <a:cs typeface="Arial" panose="020B0604020202020204" pitchFamily="34" charset="0"/>
-              </a:rPr>
-              <a:t>(Outpatient)</a:t>
-            </a:r>
-            <a:endParaRPr kumimoji="0" lang="en-US" altLang="en-US" sz="1800" b="0" i="0" u="none" strike="noStrike" cap="none" normalizeH="0" baseline="0">
-              <a:ln>
-                <a:noFill/>
-              </a:ln>
+              </a:endParaRPr>
+            </a:p>
+          </p:txBody>
+        </p:sp>
+        <p:sp>
+          <p:nvSpPr>
+            <p:cNvPr id="28" name="Oval 1">
+              <a:extLst>
+                <a:ext uri="{FF2B5EF4-FFF2-40B4-BE49-F238E27FC236}">
+                  <a16:creationId xmlns:a16="http://schemas.microsoft.com/office/drawing/2014/main" id="{566E51FE-19BD-3247-BDEA-F07B8861037D}"/>
+                </a:ext>
+              </a:extLst>
+            </p:cNvPr>
+            <p:cNvSpPr>
+              <a:spLocks noChangeArrowheads="1"/>
+            </p:cNvSpPr>
+            <p:nvPr/>
+          </p:nvSpPr>
+          <p:spPr bwMode="auto">
+            <a:xfrm>
+              <a:off x="7924800" y="2435225"/>
+              <a:ext cx="327550" cy="304800"/>
+            </a:xfrm>
+            <a:prstGeom prst="ellipse">
+              <a:avLst/>
+            </a:prstGeom>
+            <a:solidFill>
+              <a:srgbClr val="FF0000"/>
+            </a:solidFill>
+            <a:ln w="9525">
               <a:solidFill>
-                <a:schemeClr val="tx1"/>
+                <a:srgbClr val="000000"/>
               </a:solidFill>
-              <a:effectLst/>
-              <a:latin typeface="Arial" panose="020B0604020202020204" pitchFamily="34" charset="0"/>
-            </a:endParaRPr>
-          </a:p>
-        </p:txBody>
-      </p:sp>
-      <p:sp>
-        <p:nvSpPr>
-          <p:cNvPr id="10" name="Text Box 19">
-            <a:extLst>
-              <a:ext uri="{FF2B5EF4-FFF2-40B4-BE49-F238E27FC236}">
-                <a16:creationId xmlns:a16="http://schemas.microsoft.com/office/drawing/2014/main" id="{EFF404BA-C548-F34B-965D-10688AB32408}"/>
-              </a:ext>
-            </a:extLst>
-          </p:cNvPr>
-          <p:cNvSpPr txBox="1">
-            <a:spLocks noChangeArrowheads="1"/>
-          </p:cNvSpPr>
-          <p:nvPr/>
-        </p:nvSpPr>
-        <p:spPr bwMode="auto">
-          <a:xfrm>
-            <a:off x="6096000" y="758825"/>
-            <a:ext cx="1886822" cy="558800"/>
-          </a:xfrm>
-          <a:prstGeom prst="rect">
-            <a:avLst/>
-          </a:prstGeom>
-          <a:noFill/>
-          <a:ln>
-            <a:noFill/>
-          </a:ln>
-          <a:extLst>
-            <a:ext uri="{909E8E84-426E-40DD-AFC4-6F175D3DCCD1}">
-              <a14:hiddenFill xmlns:a14="http://schemas.microsoft.com/office/drawing/2010/main">
-                <a:solidFill>
-                  <a:srgbClr val="00CC99"/>
-                </a:solidFill>
-              </a14:hiddenFill>
-            </a:ext>
-            <a:ext uri="{91240B29-F687-4F45-9708-019B960494DF}">
-              <a14:hiddenLine xmlns:a14="http://schemas.microsoft.com/office/drawing/2010/main" w="9525">
-                <a:solidFill>
-                  <a:srgbClr val="000000"/>
-                </a:solidFill>
-                <a:miter lim="800000"/>
-                <a:headEnd/>
-                <a:tailEnd/>
-              </a14:hiddenLine>
-            </a:ext>
-          </a:extLst>
-        </p:spPr>
-        <p:txBody>
-          <a:bodyPr vert="horz" wrap="none" lIns="91440" tIns="45720" rIns="91440" bIns="45720" numCol="1" anchor="t" anchorCtr="0" compatLnSpc="1">
-            <a:prstTxWarp prst="textNoShape">
-              <a:avLst/>
-            </a:prstTxWarp>
-          </a:bodyPr>
-          <a:lstStyle/>
-          <a:p>
-            <a:pPr marL="0" marR="0" lvl="0" indent="0" algn="l" defTabSz="914400" rtl="0" eaLnBrk="0" fontAlgn="base" latinLnBrk="0" hangingPunct="0">
-              <a:lnSpc>
-                <a:spcPct val="100000"/>
-              </a:lnSpc>
-              <a:spcBef>
-                <a:spcPct val="0"/>
-              </a:spcBef>
-              <a:spcAft>
-                <a:spcPct val="0"/>
-              </a:spcAft>
-              <a:buClrTx/>
-              <a:buSzTx/>
-              <a:buFontTx/>
-              <a:buNone/>
-              <a:tabLst/>
-            </a:pPr>
-            <a:r>
-              <a:rPr kumimoji="0" lang="fr-FR" altLang="en-US" sz="1600" b="1" i="0" u="none" strike="noStrike" cap="none" normalizeH="0" baseline="0">
-                <a:ln>
-                  <a:noFill/>
-                </a:ln>
-                <a:solidFill>
-                  <a:srgbClr val="FF0000"/>
-                </a:solidFill>
-                <a:effectLst/>
-                <a:latin typeface="Arial" panose="020B0604020202020204" pitchFamily="34" charset="0"/>
-                <a:ea typeface="Times New Roman" panose="02020603050405020304" pitchFamily="18" charset="0"/>
-                <a:cs typeface="Arial" panose="020B0604020202020204" pitchFamily="34" charset="0"/>
-              </a:rPr>
-              <a:t>Long-Term Care</a:t>
-            </a:r>
-            <a:endParaRPr kumimoji="0" lang="fr-FR" altLang="en-US" sz="1800" b="0" i="0" u="none" strike="noStrike" cap="none" normalizeH="0" baseline="0">
-              <a:ln>
-                <a:noFill/>
-              </a:ln>
-              <a:solidFill>
-                <a:schemeClr val="tx1"/>
-              </a:solidFill>
-              <a:effectLst/>
-              <a:latin typeface="Arial" panose="020B0604020202020204" pitchFamily="34" charset="0"/>
-            </a:endParaRPr>
-          </a:p>
-        </p:txBody>
-      </p:sp>
-      <p:sp>
-        <p:nvSpPr>
-          <p:cNvPr id="11" name="Text Box 18">
-            <a:extLst>
-              <a:ext uri="{FF2B5EF4-FFF2-40B4-BE49-F238E27FC236}">
-                <a16:creationId xmlns:a16="http://schemas.microsoft.com/office/drawing/2014/main" id="{C3A46B10-539F-DC40-B5F9-3357DDE817C8}"/>
-              </a:ext>
-            </a:extLst>
-          </p:cNvPr>
-          <p:cNvSpPr txBox="1">
-            <a:spLocks noChangeArrowheads="1"/>
-          </p:cNvSpPr>
-          <p:nvPr/>
-        </p:nvSpPr>
-        <p:spPr bwMode="auto">
-          <a:xfrm>
-            <a:off x="5581649" y="2511425"/>
-            <a:ext cx="3111721" cy="558800"/>
-          </a:xfrm>
-          <a:prstGeom prst="rect">
-            <a:avLst/>
-          </a:prstGeom>
-          <a:noFill/>
-          <a:ln>
-            <a:noFill/>
-          </a:ln>
-          <a:extLst>
-            <a:ext uri="{909E8E84-426E-40DD-AFC4-6F175D3DCCD1}">
-              <a14:hiddenFill xmlns:a14="http://schemas.microsoft.com/office/drawing/2010/main">
-                <a:solidFill>
-                  <a:srgbClr val="00CC99"/>
-                </a:solidFill>
-              </a14:hiddenFill>
-            </a:ext>
-            <a:ext uri="{91240B29-F687-4F45-9708-019B960494DF}">
-              <a14:hiddenLine xmlns:a14="http://schemas.microsoft.com/office/drawing/2010/main" w="9525">
-                <a:solidFill>
-                  <a:srgbClr val="000000"/>
-                </a:solidFill>
-                <a:miter lim="800000"/>
-                <a:headEnd/>
-                <a:tailEnd/>
-              </a14:hiddenLine>
-            </a:ext>
-          </a:extLst>
-        </p:spPr>
-        <p:txBody>
-          <a:bodyPr vert="horz" wrap="square" lIns="91440" tIns="45720" rIns="91440" bIns="45720" numCol="1" anchor="t" anchorCtr="0" compatLnSpc="1">
-            <a:prstTxWarp prst="textNoShape">
-              <a:avLst/>
-            </a:prstTxWarp>
-          </a:bodyPr>
-          <a:lstStyle/>
-          <a:p>
-            <a:pPr marL="0" marR="0" lvl="0" indent="0" algn="l" defTabSz="914400" rtl="0" eaLnBrk="0" fontAlgn="base" latinLnBrk="0" hangingPunct="0">
-              <a:lnSpc>
-                <a:spcPct val="100000"/>
-              </a:lnSpc>
-              <a:spcBef>
-                <a:spcPct val="0"/>
-              </a:spcBef>
-              <a:spcAft>
-                <a:spcPct val="0"/>
-              </a:spcAft>
-              <a:buClrTx/>
-              <a:buSzTx/>
-              <a:buFontTx/>
-              <a:buNone/>
-              <a:tabLst/>
-            </a:pPr>
-            <a:r>
-              <a:rPr kumimoji="0" lang="en-US" altLang="en-US" sz="1600" b="1" i="0" u="none" strike="noStrike" cap="none" normalizeH="0" baseline="0">
-                <a:ln>
-                  <a:noFill/>
-                </a:ln>
-                <a:solidFill>
-                  <a:srgbClr val="FF0000"/>
-                </a:solidFill>
-                <a:effectLst/>
-                <a:latin typeface="Arial" panose="020B0604020202020204" pitchFamily="34" charset="0"/>
-                <a:ea typeface="Times New Roman" panose="02020603050405020304" pitchFamily="18" charset="0"/>
-                <a:cs typeface="Arial" panose="020B0604020202020204" pitchFamily="34" charset="0"/>
-              </a:rPr>
-              <a:t>Other Specialized Care</a:t>
-            </a:r>
-            <a:br>
-              <a:rPr kumimoji="0" lang="en-US" altLang="en-US" sz="1600" b="1" i="0" u="none" strike="noStrike" cap="none" normalizeH="0" baseline="0">
-                <a:ln>
-                  <a:noFill/>
-                </a:ln>
-                <a:solidFill>
-                  <a:srgbClr val="FF0000"/>
-                </a:solidFill>
-                <a:effectLst/>
-                <a:latin typeface="Arial" panose="020B0604020202020204" pitchFamily="34" charset="0"/>
-                <a:ea typeface="Times New Roman" panose="02020603050405020304" pitchFamily="18" charset="0"/>
-                <a:cs typeface="Arial" panose="020B0604020202020204" pitchFamily="34" charset="0"/>
-              </a:rPr>
-            </a:br>
-            <a:r>
-              <a:rPr kumimoji="0" lang="en-US" altLang="en-US" sz="1600" b="1" i="0" u="none" strike="noStrike" cap="none" normalizeH="0" baseline="0">
-                <a:ln>
-                  <a:noFill/>
-                </a:ln>
-                <a:solidFill>
-                  <a:srgbClr val="FF0000"/>
-                </a:solidFill>
-                <a:effectLst/>
-                <a:latin typeface="Arial" panose="020B0604020202020204" pitchFamily="34" charset="0"/>
-                <a:ea typeface="Times New Roman" panose="02020603050405020304" pitchFamily="18" charset="0"/>
-                <a:cs typeface="Arial" panose="020B0604020202020204" pitchFamily="34" charset="0"/>
-              </a:rPr>
-              <a:t>(incl. Diagnostics Services)</a:t>
-            </a:r>
-            <a:endParaRPr kumimoji="0" lang="en-US" altLang="en-US" sz="1800" b="0" i="0" u="none" strike="noStrike" cap="none" normalizeH="0" baseline="0">
-              <a:ln>
-                <a:noFill/>
-              </a:ln>
-              <a:solidFill>
-                <a:schemeClr val="tx1"/>
-              </a:solidFill>
-              <a:effectLst/>
-              <a:latin typeface="Arial" panose="020B0604020202020204" pitchFamily="34" charset="0"/>
-            </a:endParaRPr>
-          </a:p>
-        </p:txBody>
-      </p:sp>
-      <p:sp>
-        <p:nvSpPr>
-          <p:cNvPr id="12" name="Oval 17">
-            <a:extLst>
-              <a:ext uri="{FF2B5EF4-FFF2-40B4-BE49-F238E27FC236}">
-                <a16:creationId xmlns:a16="http://schemas.microsoft.com/office/drawing/2014/main" id="{EFF0CC1C-F157-F341-AE71-5CBFC79A8481}"/>
-              </a:ext>
-            </a:extLst>
-          </p:cNvPr>
-          <p:cNvSpPr>
-            <a:spLocks noChangeArrowheads="1"/>
-          </p:cNvSpPr>
-          <p:nvPr/>
-        </p:nvSpPr>
-        <p:spPr bwMode="auto">
-          <a:xfrm>
-            <a:off x="1828800" y="2130425"/>
-            <a:ext cx="327550" cy="304800"/>
-          </a:xfrm>
-          <a:prstGeom prst="ellipse">
-            <a:avLst/>
-          </a:prstGeom>
-          <a:solidFill>
-            <a:srgbClr val="FF0000"/>
-          </a:solidFill>
-          <a:ln w="9525">
-            <a:solidFill>
-              <a:srgbClr val="000000"/>
-            </a:solidFill>
-            <a:round/>
-            <a:headEnd/>
-            <a:tailEnd/>
-          </a:ln>
-        </p:spPr>
-        <p:txBody>
-          <a:bodyPr vert="horz" wrap="none" lIns="91440" tIns="45720" rIns="91440" bIns="45720" numCol="1" anchor="ctr" anchorCtr="0" compatLnSpc="1">
-            <a:prstTxWarp prst="textNoShape">
-              <a:avLst/>
-            </a:prstTxWarp>
-          </a:bodyPr>
-          <a:lstStyle/>
-          <a:p>
-            <a:endParaRPr lang="en-US"/>
-          </a:p>
-        </p:txBody>
-      </p:sp>
-      <p:sp>
-        <p:nvSpPr>
-          <p:cNvPr id="13" name="Oval 16">
-            <a:extLst>
-              <a:ext uri="{FF2B5EF4-FFF2-40B4-BE49-F238E27FC236}">
-                <a16:creationId xmlns:a16="http://schemas.microsoft.com/office/drawing/2014/main" id="{C86F41C9-1435-0C4D-BFBA-A08C964E4EED}"/>
-              </a:ext>
-            </a:extLst>
-          </p:cNvPr>
-          <p:cNvSpPr>
-            <a:spLocks noChangeArrowheads="1"/>
-          </p:cNvSpPr>
-          <p:nvPr/>
-        </p:nvSpPr>
-        <p:spPr bwMode="auto">
-          <a:xfrm>
-            <a:off x="7467600" y="1216025"/>
-            <a:ext cx="327550" cy="304800"/>
-          </a:xfrm>
-          <a:prstGeom prst="ellipse">
-            <a:avLst/>
-          </a:prstGeom>
-          <a:solidFill>
-            <a:srgbClr val="FF0000"/>
-          </a:solidFill>
-          <a:ln w="9525">
-            <a:solidFill>
-              <a:srgbClr val="000000"/>
-            </a:solidFill>
-            <a:round/>
-            <a:headEnd/>
-            <a:tailEnd/>
-          </a:ln>
-        </p:spPr>
-        <p:txBody>
-          <a:bodyPr vert="horz" wrap="none" lIns="91440" tIns="45720" rIns="91440" bIns="45720" numCol="1" anchor="ctr" anchorCtr="0" compatLnSpc="1">
-            <a:prstTxWarp prst="textNoShape">
-              <a:avLst/>
-            </a:prstTxWarp>
-          </a:bodyPr>
-          <a:lstStyle/>
-          <a:p>
-            <a:endParaRPr lang="en-US"/>
-          </a:p>
-        </p:txBody>
-      </p:sp>
-      <p:sp>
-        <p:nvSpPr>
-          <p:cNvPr id="14" name="Oval 15">
-            <a:extLst>
-              <a:ext uri="{FF2B5EF4-FFF2-40B4-BE49-F238E27FC236}">
-                <a16:creationId xmlns:a16="http://schemas.microsoft.com/office/drawing/2014/main" id="{133E3CFD-A413-C949-BC73-84C4AEF6932B}"/>
-              </a:ext>
-            </a:extLst>
-          </p:cNvPr>
-          <p:cNvSpPr>
-            <a:spLocks noChangeArrowheads="1"/>
-          </p:cNvSpPr>
-          <p:nvPr/>
-        </p:nvSpPr>
-        <p:spPr bwMode="auto">
-          <a:xfrm>
-            <a:off x="6019800" y="3273425"/>
-            <a:ext cx="327550" cy="304800"/>
-          </a:xfrm>
-          <a:prstGeom prst="ellipse">
-            <a:avLst/>
-          </a:prstGeom>
-          <a:solidFill>
-            <a:srgbClr val="FF0000"/>
-          </a:solidFill>
-          <a:ln w="9525">
-            <a:solidFill>
-              <a:srgbClr val="000000"/>
-            </a:solidFill>
-            <a:round/>
-            <a:headEnd/>
-            <a:tailEnd/>
-          </a:ln>
-        </p:spPr>
-        <p:txBody>
-          <a:bodyPr vert="horz" wrap="none" lIns="91440" tIns="45720" rIns="91440" bIns="45720" numCol="1" anchor="ctr" anchorCtr="0" compatLnSpc="1">
-            <a:prstTxWarp prst="textNoShape">
-              <a:avLst/>
-            </a:prstTxWarp>
-          </a:bodyPr>
-          <a:lstStyle/>
-          <a:p>
-            <a:endParaRPr lang="en-US"/>
-          </a:p>
-        </p:txBody>
-      </p:sp>
-      <p:sp>
-        <p:nvSpPr>
-          <p:cNvPr id="15" name="Oval 14">
-            <a:extLst>
-              <a:ext uri="{FF2B5EF4-FFF2-40B4-BE49-F238E27FC236}">
-                <a16:creationId xmlns:a16="http://schemas.microsoft.com/office/drawing/2014/main" id="{7B1CFE13-0513-9847-9186-A75099EF1CE9}"/>
-              </a:ext>
-            </a:extLst>
-          </p:cNvPr>
-          <p:cNvSpPr>
-            <a:spLocks noChangeArrowheads="1"/>
-          </p:cNvSpPr>
-          <p:nvPr/>
-        </p:nvSpPr>
-        <p:spPr bwMode="auto">
-          <a:xfrm>
-            <a:off x="381000" y="4416425"/>
-            <a:ext cx="327550" cy="304800"/>
-          </a:xfrm>
-          <a:prstGeom prst="ellipse">
-            <a:avLst/>
-          </a:prstGeom>
-          <a:solidFill>
-            <a:srgbClr val="FF0000"/>
-          </a:solidFill>
-          <a:ln w="9525">
-            <a:solidFill>
-              <a:srgbClr val="000000"/>
-            </a:solidFill>
-            <a:round/>
-            <a:headEnd/>
-            <a:tailEnd/>
-          </a:ln>
-        </p:spPr>
-        <p:txBody>
-          <a:bodyPr vert="horz" wrap="none" lIns="91440" tIns="45720" rIns="91440" bIns="45720" numCol="1" anchor="ctr" anchorCtr="0" compatLnSpc="1">
-            <a:prstTxWarp prst="textNoShape">
-              <a:avLst/>
-            </a:prstTxWarp>
-          </a:bodyPr>
-          <a:lstStyle/>
-          <a:p>
-            <a:endParaRPr lang="en-US"/>
-          </a:p>
-        </p:txBody>
-      </p:sp>
-      <p:sp>
-        <p:nvSpPr>
-          <p:cNvPr id="16" name="Oval 13">
-            <a:extLst>
-              <a:ext uri="{FF2B5EF4-FFF2-40B4-BE49-F238E27FC236}">
-                <a16:creationId xmlns:a16="http://schemas.microsoft.com/office/drawing/2014/main" id="{4C990AC7-546B-404E-AC46-D5CCE05393ED}"/>
-              </a:ext>
-            </a:extLst>
-          </p:cNvPr>
-          <p:cNvSpPr>
-            <a:spLocks noChangeArrowheads="1"/>
-          </p:cNvSpPr>
-          <p:nvPr/>
-        </p:nvSpPr>
-        <p:spPr bwMode="auto">
-          <a:xfrm>
-            <a:off x="2590800" y="4492625"/>
-            <a:ext cx="327550" cy="304800"/>
-          </a:xfrm>
-          <a:prstGeom prst="ellipse">
-            <a:avLst/>
-          </a:prstGeom>
-          <a:solidFill>
-            <a:srgbClr val="FF0000"/>
-          </a:solidFill>
-          <a:ln w="9525">
-            <a:solidFill>
-              <a:srgbClr val="000000"/>
-            </a:solidFill>
-            <a:round/>
-            <a:headEnd/>
-            <a:tailEnd/>
-          </a:ln>
-        </p:spPr>
-        <p:txBody>
-          <a:bodyPr vert="horz" wrap="none" lIns="91440" tIns="45720" rIns="91440" bIns="45720" numCol="1" anchor="ctr" anchorCtr="0" compatLnSpc="1">
-            <a:prstTxWarp prst="textNoShape">
-              <a:avLst/>
-            </a:prstTxWarp>
-          </a:bodyPr>
-          <a:lstStyle/>
-          <a:p>
-            <a:endParaRPr lang="en-US"/>
-          </a:p>
-        </p:txBody>
-      </p:sp>
-      <p:sp>
-        <p:nvSpPr>
-          <p:cNvPr id="17" name="Oval 12">
-            <a:extLst>
-              <a:ext uri="{FF2B5EF4-FFF2-40B4-BE49-F238E27FC236}">
-                <a16:creationId xmlns:a16="http://schemas.microsoft.com/office/drawing/2014/main" id="{D53D1A1B-3213-EE4F-89C0-0AB5799A91E4}"/>
-              </a:ext>
-            </a:extLst>
-          </p:cNvPr>
-          <p:cNvSpPr>
-            <a:spLocks noChangeArrowheads="1"/>
-          </p:cNvSpPr>
-          <p:nvPr/>
-        </p:nvSpPr>
-        <p:spPr bwMode="auto">
-          <a:xfrm>
-            <a:off x="2971800" y="2206625"/>
-            <a:ext cx="327550" cy="304800"/>
-          </a:xfrm>
-          <a:prstGeom prst="ellipse">
-            <a:avLst/>
-          </a:prstGeom>
-          <a:solidFill>
-            <a:srgbClr val="FF0000"/>
-          </a:solidFill>
-          <a:ln w="9525">
-            <a:solidFill>
-              <a:srgbClr val="000000"/>
-            </a:solidFill>
-            <a:round/>
-            <a:headEnd/>
-            <a:tailEnd/>
-          </a:ln>
-        </p:spPr>
-        <p:txBody>
-          <a:bodyPr vert="horz" wrap="none" lIns="91440" tIns="45720" rIns="91440" bIns="45720" numCol="1" anchor="ctr" anchorCtr="0" compatLnSpc="1">
-            <a:prstTxWarp prst="textNoShape">
-              <a:avLst/>
-            </a:prstTxWarp>
-          </a:bodyPr>
-          <a:lstStyle/>
-          <a:p>
-            <a:endParaRPr lang="en-US"/>
-          </a:p>
-        </p:txBody>
-      </p:sp>
-      <p:sp>
-        <p:nvSpPr>
-          <p:cNvPr id="18" name="Oval 11">
-            <a:extLst>
-              <a:ext uri="{FF2B5EF4-FFF2-40B4-BE49-F238E27FC236}">
-                <a16:creationId xmlns:a16="http://schemas.microsoft.com/office/drawing/2014/main" id="{F28C93D9-E78C-454E-8F1F-9DCED71D4E13}"/>
-              </a:ext>
-            </a:extLst>
-          </p:cNvPr>
-          <p:cNvSpPr>
-            <a:spLocks noChangeArrowheads="1"/>
-          </p:cNvSpPr>
-          <p:nvPr/>
-        </p:nvSpPr>
-        <p:spPr bwMode="auto">
-          <a:xfrm>
-            <a:off x="3581400" y="1520825"/>
-            <a:ext cx="327550" cy="304800"/>
-          </a:xfrm>
-          <a:prstGeom prst="ellipse">
-            <a:avLst/>
-          </a:prstGeom>
-          <a:solidFill>
-            <a:srgbClr val="FF0000"/>
-          </a:solidFill>
-          <a:ln w="9525">
-            <a:solidFill>
-              <a:srgbClr val="000000"/>
-            </a:solidFill>
-            <a:round/>
-            <a:headEnd/>
-            <a:tailEnd/>
-          </a:ln>
-        </p:spPr>
-        <p:txBody>
-          <a:bodyPr vert="horz" wrap="none" lIns="91440" tIns="45720" rIns="91440" bIns="45720" numCol="1" anchor="ctr" anchorCtr="0" compatLnSpc="1">
-            <a:prstTxWarp prst="textNoShape">
-              <a:avLst/>
-            </a:prstTxWarp>
-          </a:bodyPr>
-          <a:lstStyle/>
-          <a:p>
-            <a:endParaRPr lang="en-US"/>
-          </a:p>
-        </p:txBody>
-      </p:sp>
-      <p:sp>
-        <p:nvSpPr>
-          <p:cNvPr id="19" name="Oval 10">
-            <a:extLst>
-              <a:ext uri="{FF2B5EF4-FFF2-40B4-BE49-F238E27FC236}">
-                <a16:creationId xmlns:a16="http://schemas.microsoft.com/office/drawing/2014/main" id="{0FC3F344-47C8-AF4B-B547-93443A115C64}"/>
-              </a:ext>
-            </a:extLst>
-          </p:cNvPr>
-          <p:cNvSpPr>
-            <a:spLocks noChangeArrowheads="1"/>
-          </p:cNvSpPr>
-          <p:nvPr/>
-        </p:nvSpPr>
-        <p:spPr bwMode="auto">
-          <a:xfrm>
-            <a:off x="6848475" y="5292725"/>
-            <a:ext cx="327550" cy="304800"/>
-          </a:xfrm>
-          <a:prstGeom prst="ellipse">
-            <a:avLst/>
-          </a:prstGeom>
-          <a:solidFill>
-            <a:srgbClr val="FF0000"/>
-          </a:solidFill>
-          <a:ln w="9525">
-            <a:solidFill>
-              <a:srgbClr val="000000"/>
-            </a:solidFill>
-            <a:round/>
-            <a:headEnd/>
-            <a:tailEnd/>
-          </a:ln>
-        </p:spPr>
-        <p:txBody>
-          <a:bodyPr vert="horz" wrap="none" lIns="91440" tIns="45720" rIns="91440" bIns="45720" numCol="1" anchor="ctr" anchorCtr="0" compatLnSpc="1">
-            <a:prstTxWarp prst="textNoShape">
-              <a:avLst/>
-            </a:prstTxWarp>
-          </a:bodyPr>
-          <a:lstStyle/>
-          <a:p>
-            <a:endParaRPr lang="en-US"/>
-          </a:p>
-        </p:txBody>
-      </p:sp>
-      <p:sp>
-        <p:nvSpPr>
-          <p:cNvPr id="20" name="AutoShape 9">
-            <a:extLst>
-              <a:ext uri="{FF2B5EF4-FFF2-40B4-BE49-F238E27FC236}">
-                <a16:creationId xmlns:a16="http://schemas.microsoft.com/office/drawing/2014/main" id="{C69A6305-011A-0349-BB0D-F85D0513E681}"/>
-              </a:ext>
-            </a:extLst>
-          </p:cNvPr>
-          <p:cNvSpPr>
-            <a:spLocks noChangeShapeType="1"/>
-          </p:cNvSpPr>
-          <p:nvPr/>
-        </p:nvSpPr>
-        <p:spPr bwMode="auto">
-          <a:xfrm rot="16200000">
-            <a:off x="160273" y="2655952"/>
-            <a:ext cx="2286000" cy="1323846"/>
-          </a:xfrm>
-          <a:prstGeom prst="curvedConnector3">
-            <a:avLst>
-              <a:gd name="adj1" fmla="val 111944"/>
-            </a:avLst>
-          </a:prstGeom>
-          <a:noFill/>
-          <a:ln w="38100">
-            <a:solidFill>
-              <a:srgbClr val="808080"/>
-            </a:solidFill>
-            <a:prstDash val="dash"/>
-            <a:round/>
-            <a:headEnd/>
-            <a:tailEnd type="stealth" w="lg" len="med"/>
-          </a:ln>
-          <a:extLst>
-            <a:ext uri="{909E8E84-426E-40DD-AFC4-6F175D3DCCD1}">
-              <a14:hiddenFill xmlns:a14="http://schemas.microsoft.com/office/drawing/2010/main">
-                <a:noFill/>
-              </a14:hiddenFill>
-            </a:ext>
-          </a:extLst>
-        </p:spPr>
-        <p:txBody>
-          <a:bodyPr vert="horz" wrap="none" lIns="91440" tIns="45720" rIns="91440" bIns="45720" numCol="1" anchor="t" anchorCtr="0" compatLnSpc="1">
-            <a:prstTxWarp prst="textNoShape">
-              <a:avLst/>
-            </a:prstTxWarp>
-          </a:bodyPr>
-          <a:lstStyle/>
-          <a:p>
-            <a:endParaRPr lang="en-US"/>
-          </a:p>
-        </p:txBody>
-      </p:sp>
-      <p:sp>
-        <p:nvSpPr>
-          <p:cNvPr id="21" name="AutoShape 8">
-            <a:extLst>
-              <a:ext uri="{FF2B5EF4-FFF2-40B4-BE49-F238E27FC236}">
-                <a16:creationId xmlns:a16="http://schemas.microsoft.com/office/drawing/2014/main" id="{5ECA5C4C-A9E5-C64A-A5AD-B9C4E9E1B681}"/>
-              </a:ext>
-            </a:extLst>
-          </p:cNvPr>
-          <p:cNvSpPr>
-            <a:spLocks noChangeShapeType="1"/>
-          </p:cNvSpPr>
-          <p:nvPr/>
-        </p:nvSpPr>
-        <p:spPr bwMode="auto">
-          <a:xfrm rot="5400000" flipH="1">
-            <a:off x="3761496" y="718428"/>
-            <a:ext cx="927100" cy="4271793"/>
-          </a:xfrm>
-          <a:prstGeom prst="curvedConnector3">
-            <a:avLst>
-              <a:gd name="adj1" fmla="val 50000"/>
-            </a:avLst>
-          </a:prstGeom>
-          <a:noFill/>
-          <a:ln w="38100">
-            <a:solidFill>
-              <a:srgbClr val="808080"/>
-            </a:solidFill>
-            <a:prstDash val="dash"/>
-            <a:round/>
-            <a:headEnd/>
-            <a:tailEnd type="stealth" w="lg" len="med"/>
-          </a:ln>
-          <a:extLst>
-            <a:ext uri="{909E8E84-426E-40DD-AFC4-6F175D3DCCD1}">
-              <a14:hiddenFill xmlns:a14="http://schemas.microsoft.com/office/drawing/2010/main">
-                <a:noFill/>
-              </a14:hiddenFill>
-            </a:ext>
-          </a:extLst>
-        </p:spPr>
-        <p:txBody>
-          <a:bodyPr vert="horz" wrap="none" lIns="91440" tIns="45720" rIns="91440" bIns="45720" numCol="1" anchor="t" anchorCtr="0" compatLnSpc="1">
-            <a:prstTxWarp prst="textNoShape">
-              <a:avLst/>
-            </a:prstTxWarp>
-          </a:bodyPr>
-          <a:lstStyle/>
-          <a:p>
-            <a:endParaRPr lang="en-US"/>
-          </a:p>
-        </p:txBody>
-      </p:sp>
-      <p:sp>
-        <p:nvSpPr>
-          <p:cNvPr id="22" name="AutoShape 7">
-            <a:extLst>
-              <a:ext uri="{FF2B5EF4-FFF2-40B4-BE49-F238E27FC236}">
-                <a16:creationId xmlns:a16="http://schemas.microsoft.com/office/drawing/2014/main" id="{AF8ACFD2-01C4-3549-BF40-C1D31A921720}"/>
-              </a:ext>
-            </a:extLst>
-          </p:cNvPr>
-          <p:cNvSpPr>
-            <a:spLocks noChangeShapeType="1"/>
-          </p:cNvSpPr>
-          <p:nvPr/>
-        </p:nvSpPr>
-        <p:spPr bwMode="auto">
-          <a:xfrm rot="5400000">
-            <a:off x="4075959" y="2308965"/>
-            <a:ext cx="1003300" cy="3452919"/>
-          </a:xfrm>
-          <a:prstGeom prst="curvedConnector3">
-            <a:avLst>
-              <a:gd name="adj1" fmla="val 50000"/>
-            </a:avLst>
-          </a:prstGeom>
-          <a:noFill/>
-          <a:ln w="38100">
-            <a:solidFill>
-              <a:srgbClr val="808080"/>
-            </a:solidFill>
-            <a:prstDash val="dash"/>
-            <a:round/>
-            <a:headEnd/>
-            <a:tailEnd type="stealth" w="lg" len="med"/>
-          </a:ln>
-          <a:extLst>
-            <a:ext uri="{909E8E84-426E-40DD-AFC4-6F175D3DCCD1}">
-              <a14:hiddenFill xmlns:a14="http://schemas.microsoft.com/office/drawing/2010/main">
-                <a:noFill/>
-              </a14:hiddenFill>
-            </a:ext>
-          </a:extLst>
-        </p:spPr>
-        <p:txBody>
-          <a:bodyPr vert="horz" wrap="none" lIns="91440" tIns="45720" rIns="91440" bIns="45720" numCol="1" anchor="t" anchorCtr="0" compatLnSpc="1">
-            <a:prstTxWarp prst="textNoShape">
-              <a:avLst/>
-            </a:prstTxWarp>
-          </a:bodyPr>
-          <a:lstStyle/>
-          <a:p>
-            <a:endParaRPr lang="en-US"/>
-          </a:p>
-        </p:txBody>
-      </p:sp>
-      <p:sp>
-        <p:nvSpPr>
-          <p:cNvPr id="23" name="AutoShape 6">
-            <a:extLst>
-              <a:ext uri="{FF2B5EF4-FFF2-40B4-BE49-F238E27FC236}">
-                <a16:creationId xmlns:a16="http://schemas.microsoft.com/office/drawing/2014/main" id="{B027ABD3-A699-0E49-A1A5-5A325BF20EA3}"/>
-              </a:ext>
-            </a:extLst>
-          </p:cNvPr>
-          <p:cNvSpPr>
-            <a:spLocks noChangeShapeType="1"/>
-          </p:cNvSpPr>
-          <p:nvPr/>
-        </p:nvSpPr>
-        <p:spPr bwMode="auto">
-          <a:xfrm rot="5400000" flipH="1" flipV="1">
-            <a:off x="4658418" y="780357"/>
-            <a:ext cx="2165350" cy="5779886"/>
-          </a:xfrm>
-          <a:prstGeom prst="curvedConnector4">
-            <a:avLst>
-              <a:gd name="adj1" fmla="val 8208"/>
-              <a:gd name="adj2" fmla="val 104250"/>
-            </a:avLst>
-          </a:prstGeom>
-          <a:noFill/>
-          <a:ln w="38100">
-            <a:solidFill>
-              <a:srgbClr val="808080"/>
-            </a:solidFill>
-            <a:prstDash val="dash"/>
-            <a:round/>
-            <a:headEnd/>
-            <a:tailEnd type="stealth" w="lg" len="med"/>
-          </a:ln>
-          <a:extLst>
-            <a:ext uri="{909E8E84-426E-40DD-AFC4-6F175D3DCCD1}">
-              <a14:hiddenFill xmlns:a14="http://schemas.microsoft.com/office/drawing/2010/main">
-                <a:noFill/>
-              </a14:hiddenFill>
-            </a:ext>
-          </a:extLst>
-        </p:spPr>
-        <p:txBody>
-          <a:bodyPr vert="horz" wrap="none" lIns="91440" tIns="45720" rIns="91440" bIns="45720" numCol="1" anchor="t" anchorCtr="0" compatLnSpc="1">
-            <a:prstTxWarp prst="textNoShape">
-              <a:avLst/>
-            </a:prstTxWarp>
-          </a:bodyPr>
-          <a:lstStyle/>
-          <a:p>
-            <a:endParaRPr lang="en-US"/>
-          </a:p>
-        </p:txBody>
-      </p:sp>
-      <p:sp>
-        <p:nvSpPr>
-          <p:cNvPr id="24" name="AutoShape 5">
-            <a:extLst>
-              <a:ext uri="{FF2B5EF4-FFF2-40B4-BE49-F238E27FC236}">
-                <a16:creationId xmlns:a16="http://schemas.microsoft.com/office/drawing/2014/main" id="{58F89C24-3111-DB4E-B58A-4F22FA6767F5}"/>
-              </a:ext>
-            </a:extLst>
-          </p:cNvPr>
-          <p:cNvSpPr>
-            <a:spLocks noChangeShapeType="1"/>
-          </p:cNvSpPr>
-          <p:nvPr/>
-        </p:nvSpPr>
-        <p:spPr bwMode="auto">
-          <a:xfrm rot="16200000" flipH="1">
-            <a:off x="5817953" y="-182328"/>
-            <a:ext cx="76200" cy="5158906"/>
-          </a:xfrm>
-          <a:prstGeom prst="curvedConnector2">
-            <a:avLst/>
-          </a:prstGeom>
-          <a:noFill/>
-          <a:ln w="38100">
-            <a:solidFill>
-              <a:srgbClr val="808080"/>
-            </a:solidFill>
-            <a:prstDash val="dash"/>
-            <a:round/>
-            <a:headEnd/>
-            <a:tailEnd type="stealth" w="lg" len="med"/>
-          </a:ln>
-          <a:extLst>
-            <a:ext uri="{909E8E84-426E-40DD-AFC4-6F175D3DCCD1}">
-              <a14:hiddenFill xmlns:a14="http://schemas.microsoft.com/office/drawing/2010/main">
-                <a:noFill/>
-              </a14:hiddenFill>
-            </a:ext>
-          </a:extLst>
-        </p:spPr>
-        <p:txBody>
-          <a:bodyPr vert="horz" wrap="none" lIns="91440" tIns="45720" rIns="91440" bIns="45720" numCol="1" anchor="t" anchorCtr="0" compatLnSpc="1">
-            <a:prstTxWarp prst="textNoShape">
-              <a:avLst/>
-            </a:prstTxWarp>
-          </a:bodyPr>
-          <a:lstStyle/>
-          <a:p>
-            <a:endParaRPr lang="en-US"/>
-          </a:p>
-        </p:txBody>
-      </p:sp>
-      <p:sp>
-        <p:nvSpPr>
-          <p:cNvPr id="25" name="AutoShape 4">
-            <a:extLst>
-              <a:ext uri="{FF2B5EF4-FFF2-40B4-BE49-F238E27FC236}">
-                <a16:creationId xmlns:a16="http://schemas.microsoft.com/office/drawing/2014/main" id="{6F3B972E-C573-8940-BFD3-F4377808112A}"/>
-              </a:ext>
-            </a:extLst>
-          </p:cNvPr>
-          <p:cNvSpPr>
-            <a:spLocks noChangeShapeType="1"/>
-          </p:cNvSpPr>
-          <p:nvPr/>
-        </p:nvSpPr>
-        <p:spPr bwMode="auto">
-          <a:xfrm rot="16200000">
-            <a:off x="5691562" y="-481388"/>
-            <a:ext cx="196850" cy="3896475"/>
-          </a:xfrm>
-          <a:prstGeom prst="curvedConnector2">
-            <a:avLst/>
-          </a:prstGeom>
-          <a:noFill/>
-          <a:ln w="38100">
-            <a:solidFill>
-              <a:srgbClr val="808080"/>
-            </a:solidFill>
-            <a:prstDash val="dash"/>
-            <a:round/>
-            <a:headEnd/>
-            <a:tailEnd type="stealth" w="lg" len="med"/>
-          </a:ln>
-          <a:extLst>
-            <a:ext uri="{909E8E84-426E-40DD-AFC4-6F175D3DCCD1}">
-              <a14:hiddenFill xmlns:a14="http://schemas.microsoft.com/office/drawing/2010/main">
-                <a:noFill/>
-              </a14:hiddenFill>
-            </a:ext>
-          </a:extLst>
-        </p:spPr>
-        <p:txBody>
-          <a:bodyPr vert="horz" wrap="none" lIns="91440" tIns="45720" rIns="91440" bIns="45720" numCol="1" anchor="t" anchorCtr="0" compatLnSpc="1">
-            <a:prstTxWarp prst="textNoShape">
-              <a:avLst/>
-            </a:prstTxWarp>
-          </a:bodyPr>
-          <a:lstStyle/>
-          <a:p>
-            <a:endParaRPr lang="en-US"/>
-          </a:p>
-        </p:txBody>
-      </p:sp>
-      <p:sp>
-        <p:nvSpPr>
-          <p:cNvPr id="26" name="AutoShape 3">
-            <a:extLst>
-              <a:ext uri="{FF2B5EF4-FFF2-40B4-BE49-F238E27FC236}">
-                <a16:creationId xmlns:a16="http://schemas.microsoft.com/office/drawing/2014/main" id="{4CDE008C-148C-8E42-8D39-B81947BDAB3B}"/>
-              </a:ext>
-            </a:extLst>
-          </p:cNvPr>
-          <p:cNvSpPr>
-            <a:spLocks noChangeShapeType="1"/>
-          </p:cNvSpPr>
-          <p:nvPr/>
-        </p:nvSpPr>
-        <p:spPr bwMode="auto">
-          <a:xfrm rot="16200000">
-            <a:off x="3294658" y="1610716"/>
-            <a:ext cx="577850" cy="702867"/>
-          </a:xfrm>
-          <a:prstGeom prst="curvedConnector4">
-            <a:avLst>
-              <a:gd name="adj1" fmla="val 40657"/>
-              <a:gd name="adj2" fmla="val 134954"/>
-            </a:avLst>
-          </a:prstGeom>
-          <a:noFill/>
-          <a:ln w="38100">
-            <a:solidFill>
-              <a:srgbClr val="808080"/>
-            </a:solidFill>
-            <a:prstDash val="dash"/>
-            <a:round/>
-            <a:headEnd/>
-            <a:tailEnd type="stealth" w="lg" len="med"/>
-          </a:ln>
-          <a:extLst>
-            <a:ext uri="{909E8E84-426E-40DD-AFC4-6F175D3DCCD1}">
-              <a14:hiddenFill xmlns:a14="http://schemas.microsoft.com/office/drawing/2010/main">
-                <a:noFill/>
-              </a14:hiddenFill>
-            </a:ext>
-          </a:extLst>
-        </p:spPr>
-        <p:txBody>
-          <a:bodyPr vert="horz" wrap="none" lIns="91440" tIns="45720" rIns="91440" bIns="45720" numCol="1" anchor="t" anchorCtr="0" compatLnSpc="1">
-            <a:prstTxWarp prst="textNoShape">
-              <a:avLst/>
-            </a:prstTxWarp>
-          </a:bodyPr>
-          <a:lstStyle/>
-          <a:p>
-            <a:endParaRPr lang="en-US"/>
-          </a:p>
-        </p:txBody>
-      </p:sp>
-      <p:sp>
-        <p:nvSpPr>
-          <p:cNvPr id="27" name="Text Box 2">
-            <a:extLst>
-              <a:ext uri="{FF2B5EF4-FFF2-40B4-BE49-F238E27FC236}">
-                <a16:creationId xmlns:a16="http://schemas.microsoft.com/office/drawing/2014/main" id="{985B2B41-4073-1140-984D-0D4DC8969563}"/>
-              </a:ext>
-            </a:extLst>
-          </p:cNvPr>
-          <p:cNvSpPr txBox="1">
-            <a:spLocks noChangeArrowheads="1"/>
-          </p:cNvSpPr>
-          <p:nvPr/>
-        </p:nvSpPr>
-        <p:spPr bwMode="auto">
-          <a:xfrm>
-            <a:off x="7124700" y="5276850"/>
-            <a:ext cx="1361378" cy="352425"/>
-          </a:xfrm>
-          <a:prstGeom prst="rect">
-            <a:avLst/>
-          </a:prstGeom>
-          <a:noFill/>
-          <a:ln>
-            <a:noFill/>
-          </a:ln>
-          <a:extLst>
-            <a:ext uri="{909E8E84-426E-40DD-AFC4-6F175D3DCCD1}">
-              <a14:hiddenFill xmlns:a14="http://schemas.microsoft.com/office/drawing/2010/main">
-                <a:solidFill>
-                  <a:srgbClr val="FFFFFF"/>
-                </a:solidFill>
-              </a14:hiddenFill>
-            </a:ext>
-            <a:ext uri="{91240B29-F687-4F45-9708-019B960494DF}">
-              <a14:hiddenLine xmlns:a14="http://schemas.microsoft.com/office/drawing/2010/main" w="9525">
-                <a:solidFill>
-                  <a:srgbClr val="000000"/>
-                </a:solidFill>
-                <a:miter lim="800000"/>
-                <a:headEnd/>
-                <a:tailEnd/>
-              </a14:hiddenLine>
-            </a:ext>
-          </a:extLst>
-        </p:spPr>
-        <p:txBody>
-          <a:bodyPr vert="horz" wrap="square" lIns="91440" tIns="45720" rIns="91440" bIns="45720" numCol="1" anchor="t" anchorCtr="0" compatLnSpc="1">
-            <a:prstTxWarp prst="textNoShape">
-              <a:avLst/>
-            </a:prstTxWarp>
-          </a:bodyPr>
-          <a:lstStyle/>
-          <a:p>
-            <a:pPr marL="0" marR="0" lvl="0" indent="0" algn="l" defTabSz="914400" rtl="0" eaLnBrk="0" fontAlgn="base" latinLnBrk="0" hangingPunct="0">
-              <a:lnSpc>
-                <a:spcPct val="100000"/>
-              </a:lnSpc>
-              <a:spcBef>
-                <a:spcPct val="0"/>
-              </a:spcBef>
-              <a:spcAft>
-                <a:spcPct val="0"/>
-              </a:spcAft>
-              <a:buClrTx/>
-              <a:buSzTx/>
-              <a:buFontTx/>
-              <a:buNone/>
-              <a:tabLst/>
-            </a:pPr>
-            <a:r>
-              <a:rPr kumimoji="0" lang="en-US" altLang="en-US" sz="1600" b="1" i="0" u="none" strike="noStrike" cap="none" normalizeH="0" baseline="0">
-                <a:ln>
-                  <a:noFill/>
-                </a:ln>
-                <a:solidFill>
-                  <a:srgbClr val="FF0000"/>
-                </a:solidFill>
-                <a:effectLst/>
-                <a:latin typeface="Arial" panose="020B0604020202020204" pitchFamily="34" charset="0"/>
-                <a:ea typeface="Times New Roman" panose="02020603050405020304" pitchFamily="18" charset="0"/>
-                <a:cs typeface="Arial" panose="020B0604020202020204" pitchFamily="34" charset="0"/>
-              </a:rPr>
-              <a:t>Encounters</a:t>
-            </a:r>
-            <a:endParaRPr kumimoji="0" lang="en-US" altLang="en-US" sz="1800" b="0" i="0" u="none" strike="noStrike" cap="none" normalizeH="0" baseline="0">
-              <a:ln>
-                <a:noFill/>
-              </a:ln>
-              <a:solidFill>
-                <a:schemeClr val="tx1"/>
-              </a:solidFill>
-              <a:effectLst/>
-              <a:latin typeface="Arial" panose="020B0604020202020204" pitchFamily="34" charset="0"/>
-            </a:endParaRPr>
-          </a:p>
-        </p:txBody>
-      </p:sp>
-      <p:sp>
-        <p:nvSpPr>
-          <p:cNvPr id="28" name="Oval 1">
-            <a:extLst>
-              <a:ext uri="{FF2B5EF4-FFF2-40B4-BE49-F238E27FC236}">
-                <a16:creationId xmlns:a16="http://schemas.microsoft.com/office/drawing/2014/main" id="{566E51FE-19BD-3247-BDEA-F07B8861037D}"/>
-              </a:ext>
-            </a:extLst>
-          </p:cNvPr>
-          <p:cNvSpPr>
-            <a:spLocks noChangeArrowheads="1"/>
-          </p:cNvSpPr>
-          <p:nvPr/>
-        </p:nvSpPr>
-        <p:spPr bwMode="auto">
-          <a:xfrm>
-            <a:off x="7924800" y="2435225"/>
-            <a:ext cx="327550" cy="304800"/>
-          </a:xfrm>
-          <a:prstGeom prst="ellipse">
-            <a:avLst/>
-          </a:prstGeom>
-          <a:solidFill>
-            <a:srgbClr val="FF0000"/>
-          </a:solidFill>
-          <a:ln w="9525">
-            <a:solidFill>
-              <a:srgbClr val="000000"/>
-            </a:solidFill>
-            <a:round/>
-            <a:headEnd/>
-            <a:tailEnd/>
-          </a:ln>
-        </p:spPr>
-        <p:txBody>
-          <a:bodyPr vert="horz" wrap="none" lIns="91440" tIns="45720" rIns="91440" bIns="45720" numCol="1" anchor="ctr" anchorCtr="0" compatLnSpc="1">
-            <a:prstTxWarp prst="textNoShape">
-              <a:avLst/>
-            </a:prstTxWarp>
-          </a:bodyPr>
-          <a:lstStyle/>
-          <a:p>
-            <a:endParaRPr lang="en-US"/>
-          </a:p>
-        </p:txBody>
-      </p:sp>
+              <a:round/>
+              <a:headEnd/>
+              <a:tailEnd/>
+            </a:ln>
+          </p:spPr>
+          <p:txBody>
+            <a:bodyPr vert="horz" wrap="none" lIns="91440" tIns="45720" rIns="91440" bIns="45720" numCol="1" anchor="ctr" anchorCtr="0" compatLnSpc="1">
+              <a:prstTxWarp prst="textNoShape">
+                <a:avLst/>
+              </a:prstTxWarp>
+            </a:bodyPr>
+            <a:lstStyle/>
+            <a:p>
+              <a:endParaRPr lang="en-US"/>
+            </a:p>
+          </p:txBody>
+        </p:sp>
+      </p:grpSp>
       <p:sp>
         <p:nvSpPr>
           <p:cNvPr id="29" name="Rectangle 26">
